--- a/trailbreaker/刘震宇/计算器/LCD液晶显示屏与计算器.pptx
+++ b/trailbreaker/刘震宇/计算器/LCD液晶显示屏与计算器.pptx
@@ -234,7 +234,7 @@
           <a:p>
             <a:fld id="{A2EFE4F1-8343-48CF-9B9C-52B67EABA729}" type="datetimeFigureOut">
               <a:rPr lang="zh-CN" altLang="en-US" smtClean="0"/>
-              <a:t>2019/3/18</a:t>
+              <a:t>2019/3/27</a:t>
             </a:fld>
             <a:endParaRPr lang="zh-CN" altLang="en-US"/>
           </a:p>
@@ -394,7 +394,7 @@
           <a:p>
             <a:fld id="{E2E3BB64-82C3-40D5-AC60-7A00C8971EC4}" type="datetimeFigureOut">
               <a:rPr lang="zh-CN" altLang="en-US" smtClean="0"/>
-              <a:t>2019/3/18</a:t>
+              <a:t>2019/3/27</a:t>
             </a:fld>
             <a:endParaRPr lang="zh-CN" altLang="en-US"/>
           </a:p>
@@ -3326,16 +3326,6 @@
               </a:rPr>
               <a:t>液晶显示屏与计算器</a:t>
             </a:r>
-            <a:endParaRPr lang="zh-CN" altLang="en-US" sz="3200" b="1" dirty="0">
-              <a:solidFill>
-                <a:schemeClr val="tx1">
-                  <a:lumMod val="75000"/>
-                  <a:lumOff val="25000"/>
-                </a:schemeClr>
-              </a:solidFill>
-              <a:latin typeface="微软雅黑" panose="020B0503020204020204" pitchFamily="34" charset="-122"/>
-              <a:ea typeface="微软雅黑" panose="020B0503020204020204" pitchFamily="34" charset="-122"/>
-            </a:endParaRPr>
           </a:p>
         </p:txBody>
       </p:sp>

--- a/trailbreaker/刘震宇/计算器/LCD液晶显示屏与计算器.pptx
+++ b/trailbreaker/刘震宇/计算器/LCD液晶显示屏与计算器.pptx
@@ -5,29 +5,24 @@
     <p:sldMasterId id="2147483648" r:id="rId1"/>
   </p:sldMasterIdLst>
   <p:notesMasterIdLst>
-    <p:notesMasterId r:id="rId14"/>
+    <p:notesMasterId r:id="rId9"/>
   </p:notesMasterIdLst>
   <p:handoutMasterIdLst>
-    <p:handoutMasterId r:id="rId15"/>
+    <p:handoutMasterId r:id="rId10"/>
   </p:handoutMasterIdLst>
   <p:sldIdLst>
     <p:sldId id="290" r:id="rId2"/>
     <p:sldId id="258" r:id="rId3"/>
     <p:sldId id="259" r:id="rId4"/>
-    <p:sldId id="296" r:id="rId5"/>
-    <p:sldId id="308" r:id="rId6"/>
-    <p:sldId id="309" r:id="rId7"/>
-    <p:sldId id="310" r:id="rId8"/>
-    <p:sldId id="307" r:id="rId9"/>
-    <p:sldId id="304" r:id="rId10"/>
-    <p:sldId id="305" r:id="rId11"/>
-    <p:sldId id="306" r:id="rId12"/>
-    <p:sldId id="311" r:id="rId13"/>
+    <p:sldId id="292" r:id="rId5"/>
+    <p:sldId id="293" r:id="rId6"/>
+    <p:sldId id="291" r:id="rId7"/>
+    <p:sldId id="294" r:id="rId8"/>
   </p:sldIdLst>
   <p:sldSz cx="9144000" cy="5143500" type="screen16x9"/>
   <p:notesSz cx="6858000" cy="9144000"/>
   <p:custDataLst>
-    <p:tags r:id="rId16"/>
+    <p:tags r:id="rId11"/>
   </p:custDataLst>
   <p:defaultTextStyle>
     <a:defPPr>
@@ -234,7 +229,7 @@
           <a:p>
             <a:fld id="{A2EFE4F1-8343-48CF-9B9C-52B67EABA729}" type="datetimeFigureOut">
               <a:rPr lang="zh-CN" altLang="en-US" smtClean="0"/>
-              <a:t>2019/3/27</a:t>
+              <a:t>2019/3/29</a:t>
             </a:fld>
             <a:endParaRPr lang="zh-CN" altLang="en-US"/>
           </a:p>
@@ -394,7 +389,7 @@
           <a:p>
             <a:fld id="{E2E3BB64-82C3-40D5-AC60-7A00C8971EC4}" type="datetimeFigureOut">
               <a:rPr lang="zh-CN" altLang="en-US" smtClean="0"/>
-              <a:t>2019/3/27</a:t>
+              <a:t>2019/3/29</a:t>
             </a:fld>
             <a:endParaRPr lang="zh-CN" altLang="en-US"/>
           </a:p>
@@ -735,243 +730,6 @@
 </p:notes>
 </file>
 
-<file path=ppt/notesSlides/notesSlide10.xml><?xml version="1.0" encoding="utf-8"?>
-<p:notes xmlns:a="http://schemas.openxmlformats.org/drawingml/2006/main" xmlns:r="http://schemas.openxmlformats.org/officeDocument/2006/relationships" xmlns:p="http://schemas.openxmlformats.org/presentationml/2006/main">
-  <p:cSld>
-    <p:spTree>
-      <p:nvGrpSpPr>
-        <p:cNvPr id="1" name=""/>
-        <p:cNvGrpSpPr/>
-        <p:nvPr/>
-      </p:nvGrpSpPr>
-      <p:grpSpPr>
-        <a:xfrm>
-          <a:off x="0" y="0"/>
-          <a:ext cx="0" cy="0"/>
-          <a:chOff x="0" y="0"/>
-          <a:chExt cx="0" cy="0"/>
-        </a:xfrm>
-      </p:grpSpPr>
-      <p:sp>
-        <p:nvSpPr>
-          <p:cNvPr id="2" name="幻灯片图像占位符 1"/>
-          <p:cNvSpPr>
-            <a:spLocks noGrp="1" noRot="1" noChangeAspect="1"/>
-          </p:cNvSpPr>
-          <p:nvPr>
-            <p:ph type="sldImg"/>
-          </p:nvPr>
-        </p:nvSpPr>
-        <p:spPr/>
-      </p:sp>
-      <p:sp>
-        <p:nvSpPr>
-          <p:cNvPr id="3" name="备注占位符 2"/>
-          <p:cNvSpPr>
-            <a:spLocks noGrp="1"/>
-          </p:cNvSpPr>
-          <p:nvPr>
-            <p:ph type="body" idx="1"/>
-          </p:nvPr>
-        </p:nvSpPr>
-        <p:spPr/>
-        <p:txBody>
-          <a:bodyPr/>
-          <a:lstStyle/>
-          <a:p>
-            <a:endParaRPr lang="zh-CN" altLang="en-US"/>
-          </a:p>
-        </p:txBody>
-      </p:sp>
-      <p:sp>
-        <p:nvSpPr>
-          <p:cNvPr id="4" name="灯片编号占位符 3"/>
-          <p:cNvSpPr>
-            <a:spLocks noGrp="1"/>
-          </p:cNvSpPr>
-          <p:nvPr>
-            <p:ph type="sldNum" sz="quarter" idx="10"/>
-          </p:nvPr>
-        </p:nvSpPr>
-        <p:spPr/>
-        <p:txBody>
-          <a:bodyPr/>
-          <a:lstStyle/>
-          <a:p>
-            <a:fld id="{92869645-561F-47F0-9357-72E27DD8C3BF}" type="slidenum">
-              <a:rPr lang="zh-CN" altLang="en-US" smtClean="0"/>
-              <a:t>10</a:t>
-            </a:fld>
-            <a:endParaRPr lang="zh-CN" altLang="en-US"/>
-          </a:p>
-        </p:txBody>
-      </p:sp>
-    </p:spTree>
-  </p:cSld>
-  <p:clrMapOvr>
-    <a:masterClrMapping/>
-  </p:clrMapOvr>
-</p:notes>
-</file>
-
-<file path=ppt/notesSlides/notesSlide11.xml><?xml version="1.0" encoding="utf-8"?>
-<p:notes xmlns:a="http://schemas.openxmlformats.org/drawingml/2006/main" xmlns:r="http://schemas.openxmlformats.org/officeDocument/2006/relationships" xmlns:p="http://schemas.openxmlformats.org/presentationml/2006/main">
-  <p:cSld>
-    <p:spTree>
-      <p:nvGrpSpPr>
-        <p:cNvPr id="1" name=""/>
-        <p:cNvGrpSpPr/>
-        <p:nvPr/>
-      </p:nvGrpSpPr>
-      <p:grpSpPr>
-        <a:xfrm>
-          <a:off x="0" y="0"/>
-          <a:ext cx="0" cy="0"/>
-          <a:chOff x="0" y="0"/>
-          <a:chExt cx="0" cy="0"/>
-        </a:xfrm>
-      </p:grpSpPr>
-      <p:sp>
-        <p:nvSpPr>
-          <p:cNvPr id="2" name="幻灯片图像占位符 1"/>
-          <p:cNvSpPr>
-            <a:spLocks noGrp="1" noRot="1" noChangeAspect="1"/>
-          </p:cNvSpPr>
-          <p:nvPr>
-            <p:ph type="sldImg"/>
-          </p:nvPr>
-        </p:nvSpPr>
-        <p:spPr/>
-      </p:sp>
-      <p:sp>
-        <p:nvSpPr>
-          <p:cNvPr id="3" name="备注占位符 2"/>
-          <p:cNvSpPr>
-            <a:spLocks noGrp="1"/>
-          </p:cNvSpPr>
-          <p:nvPr>
-            <p:ph type="body" idx="1"/>
-          </p:nvPr>
-        </p:nvSpPr>
-        <p:spPr/>
-        <p:txBody>
-          <a:bodyPr/>
-          <a:lstStyle/>
-          <a:p>
-            <a:endParaRPr lang="zh-CN" altLang="en-US"/>
-          </a:p>
-        </p:txBody>
-      </p:sp>
-      <p:sp>
-        <p:nvSpPr>
-          <p:cNvPr id="4" name="灯片编号占位符 3"/>
-          <p:cNvSpPr>
-            <a:spLocks noGrp="1"/>
-          </p:cNvSpPr>
-          <p:nvPr>
-            <p:ph type="sldNum" sz="quarter" idx="10"/>
-          </p:nvPr>
-        </p:nvSpPr>
-        <p:spPr/>
-        <p:txBody>
-          <a:bodyPr/>
-          <a:lstStyle/>
-          <a:p>
-            <a:fld id="{92869645-561F-47F0-9357-72E27DD8C3BF}" type="slidenum">
-              <a:rPr lang="zh-CN" altLang="en-US" smtClean="0"/>
-              <a:t>11</a:t>
-            </a:fld>
-            <a:endParaRPr lang="zh-CN" altLang="en-US"/>
-          </a:p>
-        </p:txBody>
-      </p:sp>
-    </p:spTree>
-  </p:cSld>
-  <p:clrMapOvr>
-    <a:masterClrMapping/>
-  </p:clrMapOvr>
-</p:notes>
-</file>
-
-<file path=ppt/notesSlides/notesSlide12.xml><?xml version="1.0" encoding="utf-8"?>
-<p:notes xmlns:a="http://schemas.openxmlformats.org/drawingml/2006/main" xmlns:r="http://schemas.openxmlformats.org/officeDocument/2006/relationships" xmlns:p="http://schemas.openxmlformats.org/presentationml/2006/main">
-  <p:cSld>
-    <p:spTree>
-      <p:nvGrpSpPr>
-        <p:cNvPr id="1" name=""/>
-        <p:cNvGrpSpPr/>
-        <p:nvPr/>
-      </p:nvGrpSpPr>
-      <p:grpSpPr>
-        <a:xfrm>
-          <a:off x="0" y="0"/>
-          <a:ext cx="0" cy="0"/>
-          <a:chOff x="0" y="0"/>
-          <a:chExt cx="0" cy="0"/>
-        </a:xfrm>
-      </p:grpSpPr>
-      <p:sp>
-        <p:nvSpPr>
-          <p:cNvPr id="2" name="幻灯片图像占位符 1"/>
-          <p:cNvSpPr>
-            <a:spLocks noGrp="1" noRot="1" noChangeAspect="1"/>
-          </p:cNvSpPr>
-          <p:nvPr>
-            <p:ph type="sldImg"/>
-          </p:nvPr>
-        </p:nvSpPr>
-        <p:spPr/>
-      </p:sp>
-      <p:sp>
-        <p:nvSpPr>
-          <p:cNvPr id="3" name="备注占位符 2"/>
-          <p:cNvSpPr>
-            <a:spLocks noGrp="1"/>
-          </p:cNvSpPr>
-          <p:nvPr>
-            <p:ph type="body" idx="1"/>
-          </p:nvPr>
-        </p:nvSpPr>
-        <p:spPr/>
-        <p:txBody>
-          <a:bodyPr/>
-          <a:lstStyle/>
-          <a:p>
-            <a:endParaRPr lang="zh-CN" altLang="en-US"/>
-          </a:p>
-        </p:txBody>
-      </p:sp>
-      <p:sp>
-        <p:nvSpPr>
-          <p:cNvPr id="4" name="灯片编号占位符 3"/>
-          <p:cNvSpPr>
-            <a:spLocks noGrp="1"/>
-          </p:cNvSpPr>
-          <p:nvPr>
-            <p:ph type="sldNum" sz="quarter" idx="10"/>
-          </p:nvPr>
-        </p:nvSpPr>
-        <p:spPr/>
-        <p:txBody>
-          <a:bodyPr/>
-          <a:lstStyle/>
-          <a:p>
-            <a:fld id="{92869645-561F-47F0-9357-72E27DD8C3BF}" type="slidenum">
-              <a:rPr lang="zh-CN" altLang="en-US" smtClean="0"/>
-              <a:t>12</a:t>
-            </a:fld>
-            <a:endParaRPr lang="zh-CN" altLang="en-US"/>
-          </a:p>
-        </p:txBody>
-      </p:sp>
-    </p:spTree>
-  </p:cSld>
-  <p:clrMapOvr>
-    <a:masterClrMapping/>
-  </p:clrMapOvr>
-</p:notes>
-</file>
-
 <file path=ppt/notesSlides/notesSlide2.xml><?xml version="1.0" encoding="utf-8"?>
 <p:notes xmlns:a="http://schemas.openxmlformats.org/drawingml/2006/main" xmlns:r="http://schemas.openxmlformats.org/officeDocument/2006/relationships" xmlns:p="http://schemas.openxmlformats.org/presentationml/2006/main">
   <p:cSld>
@@ -1202,6 +960,11 @@
         </p:txBody>
       </p:sp>
     </p:spTree>
+    <p:extLst>
+      <p:ext uri="{BB962C8B-B14F-4D97-AF65-F5344CB8AC3E}">
+        <p14:creationId xmlns:p14="http://schemas.microsoft.com/office/powerpoint/2010/main" val="2696503741"/>
+      </p:ext>
+    </p:extLst>
   </p:cSld>
   <p:clrMapOvr>
     <a:masterClrMapping/>
@@ -1281,6 +1044,11 @@
         </p:txBody>
       </p:sp>
     </p:spTree>
+    <p:extLst>
+      <p:ext uri="{BB962C8B-B14F-4D97-AF65-F5344CB8AC3E}">
+        <p14:creationId xmlns:p14="http://schemas.microsoft.com/office/powerpoint/2010/main" val="1547103508"/>
+      </p:ext>
+    </p:extLst>
   </p:cSld>
   <p:clrMapOvr>
     <a:masterClrMapping/>
@@ -1360,6 +1128,11 @@
         </p:txBody>
       </p:sp>
     </p:spTree>
+    <p:extLst>
+      <p:ext uri="{BB962C8B-B14F-4D97-AF65-F5344CB8AC3E}">
+        <p14:creationId xmlns:p14="http://schemas.microsoft.com/office/powerpoint/2010/main" val="974469405"/>
+      </p:ext>
+    </p:extLst>
   </p:cSld>
   <p:clrMapOvr>
     <a:masterClrMapping/>
@@ -1439,164 +1212,11 @@
         </p:txBody>
       </p:sp>
     </p:spTree>
-  </p:cSld>
-  <p:clrMapOvr>
-    <a:masterClrMapping/>
-  </p:clrMapOvr>
-</p:notes>
-</file>
-
-<file path=ppt/notesSlides/notesSlide8.xml><?xml version="1.0" encoding="utf-8"?>
-<p:notes xmlns:a="http://schemas.openxmlformats.org/drawingml/2006/main" xmlns:r="http://schemas.openxmlformats.org/officeDocument/2006/relationships" xmlns:p="http://schemas.openxmlformats.org/presentationml/2006/main">
-  <p:cSld>
-    <p:spTree>
-      <p:nvGrpSpPr>
-        <p:cNvPr id="1" name=""/>
-        <p:cNvGrpSpPr/>
-        <p:nvPr/>
-      </p:nvGrpSpPr>
-      <p:grpSpPr>
-        <a:xfrm>
-          <a:off x="0" y="0"/>
-          <a:ext cx="0" cy="0"/>
-          <a:chOff x="0" y="0"/>
-          <a:chExt cx="0" cy="0"/>
-        </a:xfrm>
-      </p:grpSpPr>
-      <p:sp>
-        <p:nvSpPr>
-          <p:cNvPr id="2" name="幻灯片图像占位符 1"/>
-          <p:cNvSpPr>
-            <a:spLocks noGrp="1" noRot="1" noChangeAspect="1"/>
-          </p:cNvSpPr>
-          <p:nvPr>
-            <p:ph type="sldImg"/>
-          </p:nvPr>
-        </p:nvSpPr>
-        <p:spPr/>
-      </p:sp>
-      <p:sp>
-        <p:nvSpPr>
-          <p:cNvPr id="3" name="备注占位符 2"/>
-          <p:cNvSpPr>
-            <a:spLocks noGrp="1"/>
-          </p:cNvSpPr>
-          <p:nvPr>
-            <p:ph type="body" idx="1"/>
-          </p:nvPr>
-        </p:nvSpPr>
-        <p:spPr/>
-        <p:txBody>
-          <a:bodyPr/>
-          <a:lstStyle/>
-          <a:p>
-            <a:endParaRPr lang="zh-CN" altLang="en-US"/>
-          </a:p>
-        </p:txBody>
-      </p:sp>
-      <p:sp>
-        <p:nvSpPr>
-          <p:cNvPr id="4" name="灯片编号占位符 3"/>
-          <p:cNvSpPr>
-            <a:spLocks noGrp="1"/>
-          </p:cNvSpPr>
-          <p:nvPr>
-            <p:ph type="sldNum" sz="quarter" idx="10"/>
-          </p:nvPr>
-        </p:nvSpPr>
-        <p:spPr/>
-        <p:txBody>
-          <a:bodyPr/>
-          <a:lstStyle/>
-          <a:p>
-            <a:fld id="{92869645-561F-47F0-9357-72E27DD8C3BF}" type="slidenum">
-              <a:rPr lang="zh-CN" altLang="en-US" smtClean="0"/>
-              <a:t>8</a:t>
-            </a:fld>
-            <a:endParaRPr lang="zh-CN" altLang="en-US"/>
-          </a:p>
-        </p:txBody>
-      </p:sp>
-    </p:spTree>
-  </p:cSld>
-  <p:clrMapOvr>
-    <a:masterClrMapping/>
-  </p:clrMapOvr>
-</p:notes>
-</file>
-
-<file path=ppt/notesSlides/notesSlide9.xml><?xml version="1.0" encoding="utf-8"?>
-<p:notes xmlns:a="http://schemas.openxmlformats.org/drawingml/2006/main" xmlns:r="http://schemas.openxmlformats.org/officeDocument/2006/relationships" xmlns:p="http://schemas.openxmlformats.org/presentationml/2006/main">
-  <p:cSld>
-    <p:spTree>
-      <p:nvGrpSpPr>
-        <p:cNvPr id="1" name=""/>
-        <p:cNvGrpSpPr/>
-        <p:nvPr/>
-      </p:nvGrpSpPr>
-      <p:grpSpPr>
-        <a:xfrm>
-          <a:off x="0" y="0"/>
-          <a:ext cx="0" cy="0"/>
-          <a:chOff x="0" y="0"/>
-          <a:chExt cx="0" cy="0"/>
-        </a:xfrm>
-      </p:grpSpPr>
-      <p:sp>
-        <p:nvSpPr>
-          <p:cNvPr id="2" name="幻灯片图像占位符 1"/>
-          <p:cNvSpPr>
-            <a:spLocks noGrp="1" noRot="1" noChangeAspect="1"/>
-          </p:cNvSpPr>
-          <p:nvPr>
-            <p:ph type="sldImg"/>
-          </p:nvPr>
-        </p:nvSpPr>
-        <p:spPr/>
-      </p:sp>
-      <p:sp>
-        <p:nvSpPr>
-          <p:cNvPr id="3" name="备注占位符 2"/>
-          <p:cNvSpPr>
-            <a:spLocks noGrp="1"/>
-          </p:cNvSpPr>
-          <p:nvPr>
-            <p:ph type="body" idx="1"/>
-          </p:nvPr>
-        </p:nvSpPr>
-        <p:spPr/>
-        <p:txBody>
-          <a:bodyPr/>
-          <a:lstStyle/>
-          <a:p>
-            <a:endParaRPr lang="zh-CN" altLang="en-US"/>
-          </a:p>
-        </p:txBody>
-      </p:sp>
-      <p:sp>
-        <p:nvSpPr>
-          <p:cNvPr id="4" name="灯片编号占位符 3"/>
-          <p:cNvSpPr>
-            <a:spLocks noGrp="1"/>
-          </p:cNvSpPr>
-          <p:nvPr>
-            <p:ph type="sldNum" sz="quarter" idx="10"/>
-          </p:nvPr>
-        </p:nvSpPr>
-        <p:spPr/>
-        <p:txBody>
-          <a:bodyPr/>
-          <a:lstStyle/>
-          <a:p>
-            <a:fld id="{92869645-561F-47F0-9357-72E27DD8C3BF}" type="slidenum">
-              <a:rPr lang="zh-CN" altLang="en-US" smtClean="0"/>
-              <a:t>9</a:t>
-            </a:fld>
-            <a:endParaRPr lang="zh-CN" altLang="en-US"/>
-          </a:p>
-        </p:txBody>
-      </p:sp>
-    </p:spTree>
+    <p:extLst>
+      <p:ext uri="{BB962C8B-B14F-4D97-AF65-F5344CB8AC3E}">
+        <p14:creationId xmlns:p14="http://schemas.microsoft.com/office/powerpoint/2010/main" val="600822345"/>
+      </p:ext>
+    </p:extLst>
   </p:cSld>
   <p:clrMapOvr>
     <a:masterClrMapping/>
@@ -3725,675 +3345,6 @@
 </p:sld>
 </file>
 
-<file path=ppt/slides/slide10.xml><?xml version="1.0" encoding="utf-8"?>
-<p:sld xmlns:a="http://schemas.openxmlformats.org/drawingml/2006/main" xmlns:r="http://schemas.openxmlformats.org/officeDocument/2006/relationships" xmlns:p="http://schemas.openxmlformats.org/presentationml/2006/main">
-  <p:cSld>
-    <p:spTree>
-      <p:nvGrpSpPr>
-        <p:cNvPr id="1" name=""/>
-        <p:cNvGrpSpPr/>
-        <p:nvPr/>
-      </p:nvGrpSpPr>
-      <p:grpSpPr>
-        <a:xfrm>
-          <a:off x="0" y="0"/>
-          <a:ext cx="0" cy="0"/>
-          <a:chOff x="0" y="0"/>
-          <a:chExt cx="0" cy="0"/>
-        </a:xfrm>
-      </p:grpSpPr>
-      <p:sp>
-        <p:nvSpPr>
-          <p:cNvPr id="4" name="灯片编号占位符 3"/>
-          <p:cNvSpPr>
-            <a:spLocks noGrp="1"/>
-          </p:cNvSpPr>
-          <p:nvPr>
-            <p:ph type="sldNum" sz="quarter" idx="12"/>
-          </p:nvPr>
-        </p:nvSpPr>
-        <p:spPr/>
-        <p:txBody>
-          <a:bodyPr/>
-          <a:lstStyle/>
-          <a:p>
-            <a:fld id="{877C4908-FE0A-43F2-B8DA-9F7993525651}" type="slidenum">
-              <a:rPr lang="zh-CN" altLang="en-US" smtClean="0"/>
-              <a:t>10</a:t>
-            </a:fld>
-            <a:endParaRPr lang="zh-CN" altLang="en-US" dirty="0"/>
-          </a:p>
-        </p:txBody>
-      </p:sp>
-      <p:grpSp>
-        <p:nvGrpSpPr>
-          <p:cNvPr id="29" name="组合 28"/>
-          <p:cNvGrpSpPr/>
-          <p:nvPr/>
-        </p:nvGrpSpPr>
-        <p:grpSpPr>
-          <a:xfrm>
-            <a:off x="226054" y="260176"/>
-            <a:ext cx="231913" cy="275713"/>
-            <a:chOff x="0" y="260868"/>
-            <a:chExt cx="308417" cy="366666"/>
-          </a:xfrm>
-        </p:grpSpPr>
-        <p:sp>
-          <p:nvSpPr>
-            <p:cNvPr id="31" name="矩形 30"/>
-            <p:cNvSpPr/>
-            <p:nvPr/>
-          </p:nvSpPr>
-          <p:spPr>
-            <a:xfrm>
-              <a:off x="0" y="260868"/>
-              <a:ext cx="179512" cy="360040"/>
-            </a:xfrm>
-            <a:prstGeom prst="rect">
-              <a:avLst/>
-            </a:prstGeom>
-            <a:solidFill>
-              <a:srgbClr val="252961"/>
-            </a:solidFill>
-            <a:ln>
-              <a:noFill/>
-            </a:ln>
-          </p:spPr>
-          <p:style>
-            <a:lnRef idx="2">
-              <a:schemeClr val="accent1">
-                <a:shade val="50000"/>
-              </a:schemeClr>
-            </a:lnRef>
-            <a:fillRef idx="1">
-              <a:schemeClr val="accent1"/>
-            </a:fillRef>
-            <a:effectRef idx="0">
-              <a:schemeClr val="accent1"/>
-            </a:effectRef>
-            <a:fontRef idx="minor">
-              <a:schemeClr val="lt1"/>
-            </a:fontRef>
-          </p:style>
-          <p:txBody>
-            <a:bodyPr rtlCol="0" anchor="ctr"/>
-            <a:lstStyle/>
-            <a:p>
-              <a:pPr algn="ctr"/>
-              <a:endParaRPr lang="zh-CN" altLang="en-US"/>
-            </a:p>
-          </p:txBody>
-        </p:sp>
-        <p:sp>
-          <p:nvSpPr>
-            <p:cNvPr id="32" name="矩形 31"/>
-            <p:cNvSpPr/>
-            <p:nvPr/>
-          </p:nvSpPr>
-          <p:spPr>
-            <a:xfrm>
-              <a:off x="218661" y="267494"/>
-              <a:ext cx="89756" cy="360040"/>
-            </a:xfrm>
-            <a:prstGeom prst="rect">
-              <a:avLst/>
-            </a:prstGeom>
-            <a:solidFill>
-              <a:srgbClr val="52657E"/>
-            </a:solidFill>
-            <a:ln>
-              <a:noFill/>
-            </a:ln>
-          </p:spPr>
-          <p:style>
-            <a:lnRef idx="2">
-              <a:schemeClr val="accent1">
-                <a:shade val="50000"/>
-              </a:schemeClr>
-            </a:lnRef>
-            <a:fillRef idx="1">
-              <a:schemeClr val="accent1"/>
-            </a:fillRef>
-            <a:effectRef idx="0">
-              <a:schemeClr val="accent1"/>
-            </a:effectRef>
-            <a:fontRef idx="minor">
-              <a:schemeClr val="lt1"/>
-            </a:fontRef>
-          </p:style>
-          <p:txBody>
-            <a:bodyPr rtlCol="0" anchor="ctr"/>
-            <a:lstStyle/>
-            <a:p>
-              <a:pPr algn="ctr"/>
-              <a:endParaRPr lang="zh-CN" altLang="en-US"/>
-            </a:p>
-          </p:txBody>
-        </p:sp>
-      </p:grpSp>
-      <p:sp>
-        <p:nvSpPr>
-          <p:cNvPr id="33" name="TextBox 32"/>
-          <p:cNvSpPr txBox="1"/>
-          <p:nvPr/>
-        </p:nvSpPr>
-        <p:spPr>
-          <a:xfrm>
-            <a:off x="418587" y="195486"/>
-            <a:ext cx="1452880" cy="398780"/>
-          </a:xfrm>
-          <a:prstGeom prst="rect">
-            <a:avLst/>
-          </a:prstGeom>
-          <a:noFill/>
-        </p:spPr>
-        <p:txBody>
-          <a:bodyPr wrap="none" rtlCol="0">
-            <a:spAutoFit/>
-          </a:bodyPr>
-          <a:lstStyle/>
-          <a:p>
-            <a:r>
-              <a:rPr lang="zh-CN" altLang="id-ID" sz="2000" dirty="0">
-                <a:solidFill>
-                  <a:srgbClr val="445469"/>
-                </a:solidFill>
-                <a:latin typeface="Raleway" panose="020B0003030101060003" pitchFamily="34" charset="0"/>
-              </a:rPr>
-              <a:t>液晶屏实现</a:t>
-            </a:r>
-          </a:p>
-        </p:txBody>
-      </p:sp>
-      <p:sp>
-        <p:nvSpPr>
-          <p:cNvPr id="100" name="文本框 99"/>
-          <p:cNvSpPr txBox="1"/>
-          <p:nvPr/>
-        </p:nvSpPr>
-        <p:spPr>
-          <a:xfrm>
-            <a:off x="457835" y="864870"/>
-            <a:ext cx="7687310" cy="368300"/>
-          </a:xfrm>
-          <a:prstGeom prst="rect">
-            <a:avLst/>
-          </a:prstGeom>
-          <a:noFill/>
-          <a:ln w="9525">
-            <a:noFill/>
-          </a:ln>
-        </p:spPr>
-        <p:txBody>
-          <a:bodyPr wrap="square">
-            <a:spAutoFit/>
-          </a:bodyPr>
-          <a:lstStyle/>
-          <a:p>
-            <a:pPr marL="285750" indent="-285750">
-              <a:buFont typeface="Arial" panose="020B0604020202020204" pitchFamily="34" charset="0"/>
-              <a:buChar char="•"/>
-            </a:pPr>
-            <a:r>
-              <a:rPr lang="zh-CN" altLang="en-US" b="0">
-                <a:ea typeface="宋体" panose="02010600030101010101" pitchFamily="2" charset="-122"/>
-                <a:cs typeface="Times New Roman" panose="02020603050405020304" pitchFamily="18" charset="0"/>
-              </a:rPr>
-              <a:t>画矩形</a:t>
-            </a:r>
-          </a:p>
-        </p:txBody>
-      </p:sp>
-    </p:spTree>
-  </p:cSld>
-  <p:clrMapOvr>
-    <a:masterClrMapping/>
-  </p:clrMapOvr>
-  <mc:AlternateContent xmlns:mc="http://schemas.openxmlformats.org/markup-compatibility/2006" xmlns:p14="http://schemas.microsoft.com/office/powerpoint/2010/main">
-    <mc:Choice Requires="p14">
-      <p:transition p14:dur="10"/>
-    </mc:Choice>
-    <mc:Fallback xmlns="">
-      <p:transition/>
-    </mc:Fallback>
-  </mc:AlternateContent>
-</p:sld>
-</file>
-
-<file path=ppt/slides/slide11.xml><?xml version="1.0" encoding="utf-8"?>
-<p:sld xmlns:a="http://schemas.openxmlformats.org/drawingml/2006/main" xmlns:r="http://schemas.openxmlformats.org/officeDocument/2006/relationships" xmlns:p="http://schemas.openxmlformats.org/presentationml/2006/main">
-  <p:cSld>
-    <p:spTree>
-      <p:nvGrpSpPr>
-        <p:cNvPr id="1" name=""/>
-        <p:cNvGrpSpPr/>
-        <p:nvPr/>
-      </p:nvGrpSpPr>
-      <p:grpSpPr>
-        <a:xfrm>
-          <a:off x="0" y="0"/>
-          <a:ext cx="0" cy="0"/>
-          <a:chOff x="0" y="0"/>
-          <a:chExt cx="0" cy="0"/>
-        </a:xfrm>
-      </p:grpSpPr>
-      <p:sp>
-        <p:nvSpPr>
-          <p:cNvPr id="4" name="灯片编号占位符 3"/>
-          <p:cNvSpPr>
-            <a:spLocks noGrp="1"/>
-          </p:cNvSpPr>
-          <p:nvPr>
-            <p:ph type="sldNum" sz="quarter" idx="12"/>
-          </p:nvPr>
-        </p:nvSpPr>
-        <p:spPr/>
-        <p:txBody>
-          <a:bodyPr/>
-          <a:lstStyle/>
-          <a:p>
-            <a:fld id="{877C4908-FE0A-43F2-B8DA-9F7993525651}" type="slidenum">
-              <a:rPr lang="zh-CN" altLang="en-US" smtClean="0"/>
-              <a:t>11</a:t>
-            </a:fld>
-            <a:endParaRPr lang="zh-CN" altLang="en-US" dirty="0"/>
-          </a:p>
-        </p:txBody>
-      </p:sp>
-      <p:grpSp>
-        <p:nvGrpSpPr>
-          <p:cNvPr id="29" name="组合 28"/>
-          <p:cNvGrpSpPr/>
-          <p:nvPr/>
-        </p:nvGrpSpPr>
-        <p:grpSpPr>
-          <a:xfrm>
-            <a:off x="226054" y="260176"/>
-            <a:ext cx="231913" cy="275713"/>
-            <a:chOff x="0" y="260868"/>
-            <a:chExt cx="308417" cy="366666"/>
-          </a:xfrm>
-        </p:grpSpPr>
-        <p:sp>
-          <p:nvSpPr>
-            <p:cNvPr id="31" name="矩形 30"/>
-            <p:cNvSpPr/>
-            <p:nvPr/>
-          </p:nvSpPr>
-          <p:spPr>
-            <a:xfrm>
-              <a:off x="0" y="260868"/>
-              <a:ext cx="179512" cy="360040"/>
-            </a:xfrm>
-            <a:prstGeom prst="rect">
-              <a:avLst/>
-            </a:prstGeom>
-            <a:solidFill>
-              <a:srgbClr val="252961"/>
-            </a:solidFill>
-            <a:ln>
-              <a:noFill/>
-            </a:ln>
-          </p:spPr>
-          <p:style>
-            <a:lnRef idx="2">
-              <a:schemeClr val="accent1">
-                <a:shade val="50000"/>
-              </a:schemeClr>
-            </a:lnRef>
-            <a:fillRef idx="1">
-              <a:schemeClr val="accent1"/>
-            </a:fillRef>
-            <a:effectRef idx="0">
-              <a:schemeClr val="accent1"/>
-            </a:effectRef>
-            <a:fontRef idx="minor">
-              <a:schemeClr val="lt1"/>
-            </a:fontRef>
-          </p:style>
-          <p:txBody>
-            <a:bodyPr rtlCol="0" anchor="ctr"/>
-            <a:lstStyle/>
-            <a:p>
-              <a:pPr algn="ctr"/>
-              <a:endParaRPr lang="zh-CN" altLang="en-US"/>
-            </a:p>
-          </p:txBody>
-        </p:sp>
-        <p:sp>
-          <p:nvSpPr>
-            <p:cNvPr id="32" name="矩形 31"/>
-            <p:cNvSpPr/>
-            <p:nvPr/>
-          </p:nvSpPr>
-          <p:spPr>
-            <a:xfrm>
-              <a:off x="218661" y="267494"/>
-              <a:ext cx="89756" cy="360040"/>
-            </a:xfrm>
-            <a:prstGeom prst="rect">
-              <a:avLst/>
-            </a:prstGeom>
-            <a:solidFill>
-              <a:srgbClr val="52657E"/>
-            </a:solidFill>
-            <a:ln>
-              <a:noFill/>
-            </a:ln>
-          </p:spPr>
-          <p:style>
-            <a:lnRef idx="2">
-              <a:schemeClr val="accent1">
-                <a:shade val="50000"/>
-              </a:schemeClr>
-            </a:lnRef>
-            <a:fillRef idx="1">
-              <a:schemeClr val="accent1"/>
-            </a:fillRef>
-            <a:effectRef idx="0">
-              <a:schemeClr val="accent1"/>
-            </a:effectRef>
-            <a:fontRef idx="minor">
-              <a:schemeClr val="lt1"/>
-            </a:fontRef>
-          </p:style>
-          <p:txBody>
-            <a:bodyPr rtlCol="0" anchor="ctr"/>
-            <a:lstStyle/>
-            <a:p>
-              <a:pPr algn="ctr"/>
-              <a:endParaRPr lang="zh-CN" altLang="en-US"/>
-            </a:p>
-          </p:txBody>
-        </p:sp>
-      </p:grpSp>
-      <p:sp>
-        <p:nvSpPr>
-          <p:cNvPr id="33" name="TextBox 32"/>
-          <p:cNvSpPr txBox="1"/>
-          <p:nvPr/>
-        </p:nvSpPr>
-        <p:spPr>
-          <a:xfrm>
-            <a:off x="418587" y="195486"/>
-            <a:ext cx="1452880" cy="398780"/>
-          </a:xfrm>
-          <a:prstGeom prst="rect">
-            <a:avLst/>
-          </a:prstGeom>
-          <a:noFill/>
-        </p:spPr>
-        <p:txBody>
-          <a:bodyPr wrap="none" rtlCol="0">
-            <a:spAutoFit/>
-          </a:bodyPr>
-          <a:lstStyle/>
-          <a:p>
-            <a:r>
-              <a:rPr lang="zh-CN" altLang="id-ID" sz="2000" dirty="0">
-                <a:solidFill>
-                  <a:srgbClr val="445469"/>
-                </a:solidFill>
-                <a:latin typeface="Raleway" panose="020B0003030101060003" pitchFamily="34" charset="0"/>
-              </a:rPr>
-              <a:t>液晶屏实现</a:t>
-            </a:r>
-          </a:p>
-        </p:txBody>
-      </p:sp>
-      <p:sp>
-        <p:nvSpPr>
-          <p:cNvPr id="100" name="文本框 99"/>
-          <p:cNvSpPr txBox="1"/>
-          <p:nvPr/>
-        </p:nvSpPr>
-        <p:spPr>
-          <a:xfrm>
-            <a:off x="457835" y="864870"/>
-            <a:ext cx="7687310" cy="368300"/>
-          </a:xfrm>
-          <a:prstGeom prst="rect">
-            <a:avLst/>
-          </a:prstGeom>
-          <a:noFill/>
-          <a:ln w="9525">
-            <a:noFill/>
-          </a:ln>
-        </p:spPr>
-        <p:txBody>
-          <a:bodyPr wrap="square">
-            <a:spAutoFit/>
-          </a:bodyPr>
-          <a:lstStyle/>
-          <a:p>
-            <a:pPr marL="285750" indent="-285750">
-              <a:buFont typeface="Arial" panose="020B0604020202020204" pitchFamily="34" charset="0"/>
-              <a:buChar char="•"/>
-            </a:pPr>
-            <a:r>
-              <a:rPr lang="zh-CN" altLang="en-US" b="0">
-                <a:ea typeface="宋体" panose="02010600030101010101" pitchFamily="2" charset="-122"/>
-                <a:cs typeface="Times New Roman" panose="02020603050405020304" pitchFamily="18" charset="0"/>
-              </a:rPr>
-              <a:t>写文字</a:t>
-            </a:r>
-          </a:p>
-        </p:txBody>
-      </p:sp>
-    </p:spTree>
-  </p:cSld>
-  <p:clrMapOvr>
-    <a:masterClrMapping/>
-  </p:clrMapOvr>
-  <mc:AlternateContent xmlns:mc="http://schemas.openxmlformats.org/markup-compatibility/2006" xmlns:p14="http://schemas.microsoft.com/office/powerpoint/2010/main">
-    <mc:Choice Requires="p14">
-      <p:transition p14:dur="10"/>
-    </mc:Choice>
-    <mc:Fallback xmlns="">
-      <p:transition/>
-    </mc:Fallback>
-  </mc:AlternateContent>
-</p:sld>
-</file>
-
-<file path=ppt/slides/slide12.xml><?xml version="1.0" encoding="utf-8"?>
-<p:sld xmlns:a="http://schemas.openxmlformats.org/drawingml/2006/main" xmlns:r="http://schemas.openxmlformats.org/officeDocument/2006/relationships" xmlns:p="http://schemas.openxmlformats.org/presentationml/2006/main">
-  <p:cSld>
-    <p:spTree>
-      <p:nvGrpSpPr>
-        <p:cNvPr id="1" name=""/>
-        <p:cNvGrpSpPr/>
-        <p:nvPr/>
-      </p:nvGrpSpPr>
-      <p:grpSpPr>
-        <a:xfrm>
-          <a:off x="0" y="0"/>
-          <a:ext cx="0" cy="0"/>
-          <a:chOff x="0" y="0"/>
-          <a:chExt cx="0" cy="0"/>
-        </a:xfrm>
-      </p:grpSpPr>
-      <p:sp>
-        <p:nvSpPr>
-          <p:cNvPr id="4" name="灯片编号占位符 3"/>
-          <p:cNvSpPr>
-            <a:spLocks noGrp="1"/>
-          </p:cNvSpPr>
-          <p:nvPr>
-            <p:ph type="sldNum" sz="quarter" idx="12"/>
-          </p:nvPr>
-        </p:nvSpPr>
-        <p:spPr/>
-        <p:txBody>
-          <a:bodyPr/>
-          <a:lstStyle/>
-          <a:p>
-            <a:fld id="{877C4908-FE0A-43F2-B8DA-9F7993525651}" type="slidenum">
-              <a:rPr lang="zh-CN" altLang="en-US" smtClean="0"/>
-              <a:t>12</a:t>
-            </a:fld>
-            <a:endParaRPr lang="zh-CN" altLang="en-US" dirty="0"/>
-          </a:p>
-        </p:txBody>
-      </p:sp>
-      <p:grpSp>
-        <p:nvGrpSpPr>
-          <p:cNvPr id="29" name="组合 28"/>
-          <p:cNvGrpSpPr/>
-          <p:nvPr/>
-        </p:nvGrpSpPr>
-        <p:grpSpPr>
-          <a:xfrm>
-            <a:off x="226054" y="260176"/>
-            <a:ext cx="231913" cy="275713"/>
-            <a:chOff x="0" y="260868"/>
-            <a:chExt cx="308417" cy="366666"/>
-          </a:xfrm>
-        </p:grpSpPr>
-        <p:sp>
-          <p:nvSpPr>
-            <p:cNvPr id="31" name="矩形 30"/>
-            <p:cNvSpPr/>
-            <p:nvPr/>
-          </p:nvSpPr>
-          <p:spPr>
-            <a:xfrm>
-              <a:off x="0" y="260868"/>
-              <a:ext cx="179512" cy="360040"/>
-            </a:xfrm>
-            <a:prstGeom prst="rect">
-              <a:avLst/>
-            </a:prstGeom>
-            <a:solidFill>
-              <a:srgbClr val="252961"/>
-            </a:solidFill>
-            <a:ln>
-              <a:noFill/>
-            </a:ln>
-          </p:spPr>
-          <p:style>
-            <a:lnRef idx="2">
-              <a:schemeClr val="accent1">
-                <a:shade val="50000"/>
-              </a:schemeClr>
-            </a:lnRef>
-            <a:fillRef idx="1">
-              <a:schemeClr val="accent1"/>
-            </a:fillRef>
-            <a:effectRef idx="0">
-              <a:schemeClr val="accent1"/>
-            </a:effectRef>
-            <a:fontRef idx="minor">
-              <a:schemeClr val="lt1"/>
-            </a:fontRef>
-          </p:style>
-          <p:txBody>
-            <a:bodyPr rtlCol="0" anchor="ctr"/>
-            <a:lstStyle/>
-            <a:p>
-              <a:pPr algn="ctr"/>
-              <a:endParaRPr lang="zh-CN" altLang="en-US"/>
-            </a:p>
-          </p:txBody>
-        </p:sp>
-        <p:sp>
-          <p:nvSpPr>
-            <p:cNvPr id="32" name="矩形 31"/>
-            <p:cNvSpPr/>
-            <p:nvPr/>
-          </p:nvSpPr>
-          <p:spPr>
-            <a:xfrm>
-              <a:off x="218661" y="267494"/>
-              <a:ext cx="89756" cy="360040"/>
-            </a:xfrm>
-            <a:prstGeom prst="rect">
-              <a:avLst/>
-            </a:prstGeom>
-            <a:solidFill>
-              <a:srgbClr val="52657E"/>
-            </a:solidFill>
-            <a:ln>
-              <a:noFill/>
-            </a:ln>
-          </p:spPr>
-          <p:style>
-            <a:lnRef idx="2">
-              <a:schemeClr val="accent1">
-                <a:shade val="50000"/>
-              </a:schemeClr>
-            </a:lnRef>
-            <a:fillRef idx="1">
-              <a:schemeClr val="accent1"/>
-            </a:fillRef>
-            <a:effectRef idx="0">
-              <a:schemeClr val="accent1"/>
-            </a:effectRef>
-            <a:fontRef idx="minor">
-              <a:schemeClr val="lt1"/>
-            </a:fontRef>
-          </p:style>
-          <p:txBody>
-            <a:bodyPr rtlCol="0" anchor="ctr"/>
-            <a:lstStyle/>
-            <a:p>
-              <a:pPr algn="ctr"/>
-              <a:endParaRPr lang="zh-CN" altLang="en-US"/>
-            </a:p>
-          </p:txBody>
-        </p:sp>
-      </p:grpSp>
-      <p:sp>
-        <p:nvSpPr>
-          <p:cNvPr id="33" name="TextBox 32"/>
-          <p:cNvSpPr txBox="1"/>
-          <p:nvPr/>
-        </p:nvSpPr>
-        <p:spPr>
-          <a:xfrm>
-            <a:off x="418587" y="195486"/>
-            <a:ext cx="944880" cy="398780"/>
-          </a:xfrm>
-          <a:prstGeom prst="rect">
-            <a:avLst/>
-          </a:prstGeom>
-          <a:noFill/>
-        </p:spPr>
-        <p:txBody>
-          <a:bodyPr wrap="none" rtlCol="0">
-            <a:spAutoFit/>
-          </a:bodyPr>
-          <a:lstStyle/>
-          <a:p>
-            <a:r>
-              <a:rPr lang="zh-CN" altLang="id-ID" sz="2000" dirty="0">
-                <a:solidFill>
-                  <a:srgbClr val="445469"/>
-                </a:solidFill>
-                <a:latin typeface="Raleway" panose="020B0003030101060003" pitchFamily="34" charset="0"/>
-              </a:rPr>
-              <a:t>画国旗</a:t>
-            </a:r>
-          </a:p>
-        </p:txBody>
-      </p:sp>
-    </p:spTree>
-  </p:cSld>
-  <p:clrMapOvr>
-    <a:masterClrMapping/>
-  </p:clrMapOvr>
-  <mc:AlternateContent xmlns:mc="http://schemas.openxmlformats.org/markup-compatibility/2006" xmlns:p14="http://schemas.microsoft.com/office/powerpoint/2010/main">
-    <mc:Choice Requires="p14">
-      <p:transition p14:dur="10"/>
-    </mc:Choice>
-    <mc:Fallback xmlns="">
-      <p:transition/>
-    </mc:Fallback>
-  </mc:AlternateContent>
-</p:sld>
-</file>
-
 <file path=ppt/slides/slide2.xml><?xml version="1.0" encoding="utf-8"?>
 <p:sld xmlns:a="http://schemas.openxmlformats.org/drawingml/2006/main" xmlns:r="http://schemas.openxmlformats.org/officeDocument/2006/relationships" xmlns:p="http://schemas.openxmlformats.org/presentationml/2006/main">
   <p:cSld>
@@ -4725,8 +3676,13 @@
                 <a:ea typeface="微软雅黑 Light" panose="020B0502040204020203" pitchFamily="34" charset="-122"/>
                 <a:cs typeface="微软雅黑" panose="020B0503020204020204" pitchFamily="34" charset="-122"/>
               </a:rPr>
-              <a:t>液晶屏简介</a:t>
+              <a:t>设计思路</a:t>
             </a:r>
+            <a:endParaRPr lang="zh-CN" altLang="en-US" sz="2800" dirty="0">
+              <a:latin typeface="微软雅黑 Light" panose="020B0502040204020203" pitchFamily="34" charset="-122"/>
+              <a:ea typeface="微软雅黑 Light" panose="020B0502040204020203" pitchFamily="34" charset="-122"/>
+              <a:cs typeface="微软雅黑" panose="020B0503020204020204" pitchFamily="34" charset="-122"/>
+            </a:endParaRPr>
           </a:p>
         </p:txBody>
       </p:sp>
@@ -5193,20 +4149,12 @@
               </a:spcAft>
             </a:pPr>
             <a:r>
-              <a:rPr lang="zh-CN" altLang="en-US" sz="2800" dirty="0">
-                <a:latin typeface="微软雅黑 Light" panose="020B0502040204020203" pitchFamily="34" charset="-122"/>
-                <a:ea typeface="微软雅黑 Light" panose="020B0502040204020203" pitchFamily="34" charset="-122"/>
-                <a:cs typeface="微软雅黑" panose="020B0503020204020204" pitchFamily="34" charset="-122"/>
-              </a:rPr>
-              <a:t>液晶</a:t>
-            </a:r>
-            <a:r>
               <a:rPr lang="zh-CN" altLang="en-US" sz="2800" dirty="0" smtClean="0">
                 <a:latin typeface="微软雅黑 Light" panose="020B0502040204020203" pitchFamily="34" charset="-122"/>
                 <a:ea typeface="微软雅黑 Light" panose="020B0502040204020203" pitchFamily="34" charset="-122"/>
                 <a:cs typeface="微软雅黑" panose="020B0503020204020204" pitchFamily="34" charset="-122"/>
               </a:rPr>
-              <a:t>屏驱动</a:t>
+              <a:t>代码解释</a:t>
             </a:r>
             <a:endParaRPr lang="en-US" altLang="zh-CN" sz="2800" dirty="0">
               <a:latin typeface="微软雅黑 Light" panose="020B0502040204020203" pitchFamily="34" charset="-122"/>
@@ -5679,28 +4627,12 @@
               </a:spcAft>
             </a:pPr>
             <a:r>
-              <a:rPr lang="zh-CN" sz="2800" dirty="0">
+              <a:rPr lang="zh-CN" altLang="en-US" sz="2800" dirty="0">
                 <a:latin typeface="微软雅黑 Light" panose="020B0502040204020203" pitchFamily="34" charset="-122"/>
                 <a:ea typeface="微软雅黑 Light" panose="020B0502040204020203" pitchFamily="34" charset="-122"/>
                 <a:cs typeface="微软雅黑" panose="020B0503020204020204" pitchFamily="34" charset="-122"/>
               </a:rPr>
-              <a:t>液晶</a:t>
-            </a:r>
-            <a:r>
-              <a:rPr lang="zh-CN" sz="2800" dirty="0" smtClean="0">
-                <a:latin typeface="微软雅黑 Light" panose="020B0502040204020203" pitchFamily="34" charset="-122"/>
-                <a:ea typeface="微软雅黑 Light" panose="020B0502040204020203" pitchFamily="34" charset="-122"/>
-                <a:cs typeface="微软雅黑" panose="020B0503020204020204" pitchFamily="34" charset="-122"/>
-              </a:rPr>
-              <a:t>屏</a:t>
-            </a:r>
-            <a:r>
-              <a:rPr lang="zh-CN" altLang="en-US" sz="2800" dirty="0" smtClean="0">
-                <a:latin typeface="微软雅黑 Light" panose="020B0502040204020203" pitchFamily="34" charset="-122"/>
-                <a:ea typeface="微软雅黑 Light" panose="020B0502040204020203" pitchFamily="34" charset="-122"/>
-                <a:cs typeface="微软雅黑" panose="020B0503020204020204" pitchFamily="34" charset="-122"/>
-              </a:rPr>
-              <a:t>驱动应用</a:t>
+              <a:t>效果展示</a:t>
             </a:r>
             <a:endParaRPr lang="zh-CN" sz="2800" dirty="0">
               <a:latin typeface="微软雅黑 Light" panose="020B0502040204020203" pitchFamily="34" charset="-122"/>
@@ -6075,484 +5007,6 @@
           </a:p>
         </p:txBody>
       </p:sp>
-      <p:sp>
-        <p:nvSpPr>
-          <p:cNvPr id="3" name="矩形 217"/>
-          <p:cNvSpPr>
-            <a:spLocks noChangeArrowheads="1"/>
-          </p:cNvSpPr>
-          <p:nvPr/>
-        </p:nvSpPr>
-        <p:spPr bwMode="auto">
-          <a:xfrm>
-            <a:off x="634432" y="3645490"/>
-            <a:ext cx="1606550" cy="520700"/>
-          </a:xfrm>
-          <a:prstGeom prst="rect">
-            <a:avLst/>
-          </a:prstGeom>
-          <a:noFill/>
-          <a:ln>
-            <a:noFill/>
-          </a:ln>
-          <a:extLst>
-            <a:ext uri="{909E8E84-426E-40DD-AFC4-6F175D3DCCD1}">
-              <a14:hiddenFill xmlns:a14="http://schemas.microsoft.com/office/drawing/2010/main">
-                <a:solidFill>
-                  <a:srgbClr val="FFFFFF"/>
-                </a:solidFill>
-              </a14:hiddenFill>
-            </a:ext>
-            <a:ext uri="{91240B29-F687-4F45-9708-019B960494DF}">
-              <a14:hiddenLine xmlns:a14="http://schemas.microsoft.com/office/drawing/2010/main" w="9525">
-                <a:solidFill>
-                  <a:srgbClr val="000000"/>
-                </a:solidFill>
-                <a:miter lim="800000"/>
-                <a:headEnd/>
-                <a:tailEnd/>
-              </a14:hiddenLine>
-            </a:ext>
-          </a:extLst>
-        </p:spPr>
-        <p:txBody>
-          <a:bodyPr wrap="none" lIns="91439" tIns="45719" rIns="91439" bIns="45719">
-            <a:spAutoFit/>
-          </a:bodyPr>
-          <a:lstStyle/>
-          <a:p>
-            <a:pPr fontAlgn="base">
-              <a:spcBef>
-                <a:spcPct val="0"/>
-              </a:spcBef>
-              <a:spcAft>
-                <a:spcPct val="0"/>
-              </a:spcAft>
-            </a:pPr>
-            <a:r>
-              <a:rPr lang="zh-CN" altLang="en-US" sz="2800" b="1" dirty="0">
-                <a:solidFill>
-                  <a:srgbClr val="005A9E"/>
-                </a:solidFill>
-                <a:latin typeface="微软雅黑 Light" panose="020B0502040204020203" pitchFamily="34" charset="-122"/>
-                <a:ea typeface="微软雅黑 Light" panose="020B0502040204020203" pitchFamily="34" charset="-122"/>
-                <a:cs typeface="微软雅黑 Light" panose="020B0502040204020203" pitchFamily="34" charset="-122"/>
-              </a:rPr>
-              <a:t>第四部分</a:t>
-            </a:r>
-          </a:p>
-        </p:txBody>
-      </p:sp>
-      <p:sp>
-        <p:nvSpPr>
-          <p:cNvPr id="4" name="矩形 3"/>
-          <p:cNvSpPr/>
-          <p:nvPr/>
-        </p:nvSpPr>
-        <p:spPr bwMode="auto">
-          <a:xfrm>
-            <a:off x="3115077" y="3592558"/>
-            <a:ext cx="7272808" cy="521970"/>
-          </a:xfrm>
-          <a:prstGeom prst="rect">
-            <a:avLst/>
-          </a:prstGeom>
-        </p:spPr>
-        <p:txBody>
-          <a:bodyPr wrap="square">
-            <a:spAutoFit/>
-          </a:bodyPr>
-          <a:lstStyle/>
-          <a:p>
-            <a:pPr fontAlgn="base">
-              <a:spcBef>
-                <a:spcPct val="0"/>
-              </a:spcBef>
-              <a:spcAft>
-                <a:spcPct val="0"/>
-              </a:spcAft>
-            </a:pPr>
-            <a:r>
-              <a:rPr lang="zh-CN" altLang="en-US" sz="2800" dirty="0" smtClean="0">
-                <a:latin typeface="微软雅黑 Light" panose="020B0502040204020203" pitchFamily="34" charset="-122"/>
-                <a:ea typeface="微软雅黑 Light" panose="020B0502040204020203" pitchFamily="34" charset="-122"/>
-                <a:cs typeface="微软雅黑" panose="020B0503020204020204" pitchFamily="34" charset="-122"/>
-              </a:rPr>
-              <a:t>计算器</a:t>
-            </a:r>
-            <a:endParaRPr lang="zh-CN" sz="2800" dirty="0">
-              <a:latin typeface="微软雅黑 Light" panose="020B0502040204020203" pitchFamily="34" charset="-122"/>
-              <a:ea typeface="微软雅黑 Light" panose="020B0502040204020203" pitchFamily="34" charset="-122"/>
-              <a:cs typeface="微软雅黑" panose="020B0503020204020204" pitchFamily="34" charset="-122"/>
-            </a:endParaRPr>
-          </a:p>
-        </p:txBody>
-      </p:sp>
-      <p:sp>
-        <p:nvSpPr>
-          <p:cNvPr id="5" name="任意多边形 221"/>
-          <p:cNvSpPr/>
-          <p:nvPr/>
-        </p:nvSpPr>
-        <p:spPr>
-          <a:xfrm rot="2700000">
-            <a:off x="2583989" y="3821947"/>
-            <a:ext cx="141180" cy="141180"/>
-          </a:xfrm>
-          <a:custGeom>
-            <a:avLst/>
-            <a:gdLst>
-              <a:gd name="connsiteX0" fmla="*/ 0 w 687172"/>
-              <a:gd name="connsiteY0" fmla="*/ 1 h 687172"/>
-              <a:gd name="connsiteX1" fmla="*/ 477930 w 687172"/>
-              <a:gd name="connsiteY1" fmla="*/ 0 h 687172"/>
-              <a:gd name="connsiteX2" fmla="*/ 687172 w 687172"/>
-              <a:gd name="connsiteY2" fmla="*/ 209242 h 687172"/>
-              <a:gd name="connsiteX3" fmla="*/ 687172 w 687172"/>
-              <a:gd name="connsiteY3" fmla="*/ 687172 h 687172"/>
-              <a:gd name="connsiteX4" fmla="*/ 574946 w 687172"/>
-              <a:gd name="connsiteY4" fmla="*/ 687172 h 687172"/>
-              <a:gd name="connsiteX5" fmla="*/ 574945 w 687172"/>
-              <a:gd name="connsiteY5" fmla="*/ 238336 h 687172"/>
-              <a:gd name="connsiteX6" fmla="*/ 448836 w 687172"/>
-              <a:gd name="connsiteY6" fmla="*/ 112227 h 687172"/>
-              <a:gd name="connsiteX7" fmla="*/ 0 w 687172"/>
-              <a:gd name="connsiteY7" fmla="*/ 112227 h 687172"/>
-            </a:gdLst>
-            <a:ahLst/>
-            <a:cxnLst>
-              <a:cxn ang="0">
-                <a:pos x="connsiteX0" y="connsiteY0"/>
-              </a:cxn>
-              <a:cxn ang="0">
-                <a:pos x="connsiteX1" y="connsiteY1"/>
-              </a:cxn>
-              <a:cxn ang="0">
-                <a:pos x="connsiteX2" y="connsiteY2"/>
-              </a:cxn>
-              <a:cxn ang="0">
-                <a:pos x="connsiteX3" y="connsiteY3"/>
-              </a:cxn>
-              <a:cxn ang="0">
-                <a:pos x="connsiteX4" y="connsiteY4"/>
-              </a:cxn>
-              <a:cxn ang="0">
-                <a:pos x="connsiteX5" y="connsiteY5"/>
-              </a:cxn>
-              <a:cxn ang="0">
-                <a:pos x="connsiteX6" y="connsiteY6"/>
-              </a:cxn>
-              <a:cxn ang="0">
-                <a:pos x="connsiteX7" y="connsiteY7"/>
-              </a:cxn>
-            </a:cxnLst>
-            <a:rect l="l" t="t" r="r" b="b"/>
-            <a:pathLst>
-              <a:path w="687172" h="687172">
-                <a:moveTo>
-                  <a:pt x="0" y="1"/>
-                </a:moveTo>
-                <a:lnTo>
-                  <a:pt x="477930" y="0"/>
-                </a:lnTo>
-                <a:cubicBezTo>
-                  <a:pt x="593491" y="0"/>
-                  <a:pt x="687172" y="93681"/>
-                  <a:pt x="687172" y="209242"/>
-                </a:cubicBezTo>
-                <a:lnTo>
-                  <a:pt x="687172" y="687172"/>
-                </a:lnTo>
-                <a:lnTo>
-                  <a:pt x="574946" y="687172"/>
-                </a:lnTo>
-                <a:lnTo>
-                  <a:pt x="574945" y="238336"/>
-                </a:lnTo>
-                <a:cubicBezTo>
-                  <a:pt x="574946" y="168688"/>
-                  <a:pt x="518485" y="112227"/>
-                  <a:pt x="448836" y="112227"/>
-                </a:cubicBezTo>
-                <a:lnTo>
-                  <a:pt x="0" y="112227"/>
-                </a:lnTo>
-                <a:close/>
-              </a:path>
-            </a:pathLst>
-          </a:custGeom>
-          <a:solidFill>
-            <a:srgbClr val="942124"/>
-          </a:solidFill>
-          <a:ln w="25400" cap="flat" cmpd="sng" algn="ctr">
-            <a:solidFill>
-              <a:srgbClr val="005A9E"/>
-            </a:solidFill>
-            <a:prstDash val="solid"/>
-          </a:ln>
-          <a:effectLst/>
-        </p:spPr>
-        <p:txBody>
-          <a:bodyPr anchor="ctr"/>
-          <a:lstStyle/>
-          <a:p>
-            <a:pPr marL="0" marR="0" lvl="0" indent="0" algn="ctr" defTabSz="914400" eaLnBrk="1" fontAlgn="auto" latinLnBrk="0" hangingPunct="1">
-              <a:lnSpc>
-                <a:spcPct val="100000"/>
-              </a:lnSpc>
-              <a:spcBef>
-                <a:spcPts val="0"/>
-              </a:spcBef>
-              <a:spcAft>
-                <a:spcPts val="0"/>
-              </a:spcAft>
-              <a:buClrTx/>
-              <a:buSzTx/>
-              <a:buFontTx/>
-              <a:buNone/>
-              <a:defRPr/>
-            </a:pPr>
-            <a:endParaRPr kumimoji="0" lang="zh-CN" altLang="en-US" sz="2800" b="0" i="0" u="none" strike="noStrike" kern="0" cap="none" spc="0" normalizeH="0" baseline="0" noProof="0">
-              <a:ln>
-                <a:noFill/>
-              </a:ln>
-              <a:solidFill>
-                <a:srgbClr val="005A9E"/>
-              </a:solidFill>
-              <a:effectLst/>
-              <a:uLnTx/>
-              <a:uFillTx/>
-              <a:latin typeface="微软雅黑 Light" panose="020B0502040204020203" pitchFamily="34" charset="-122"/>
-              <a:ea typeface="微软雅黑 Light" panose="020B0502040204020203" pitchFamily="34" charset="-122"/>
-            </a:endParaRPr>
-          </a:p>
-        </p:txBody>
-      </p:sp>
-      <p:sp>
-        <p:nvSpPr>
-          <p:cNvPr id="6" name="任意多边形 222"/>
-          <p:cNvSpPr/>
-          <p:nvPr/>
-        </p:nvSpPr>
-        <p:spPr>
-          <a:xfrm rot="2700000">
-            <a:off x="2538013" y="3763573"/>
-            <a:ext cx="257928" cy="257928"/>
-          </a:xfrm>
-          <a:custGeom>
-            <a:avLst/>
-            <a:gdLst>
-              <a:gd name="connsiteX0" fmla="*/ 238336 w 1255427"/>
-              <a:gd name="connsiteY0" fmla="*/ 112227 h 1255427"/>
-              <a:gd name="connsiteX1" fmla="*/ 112227 w 1255427"/>
-              <a:gd name="connsiteY1" fmla="*/ 238336 h 1255427"/>
-              <a:gd name="connsiteX2" fmla="*/ 112227 w 1255427"/>
-              <a:gd name="connsiteY2" fmla="*/ 1017091 h 1255427"/>
-              <a:gd name="connsiteX3" fmla="*/ 238336 w 1255427"/>
-              <a:gd name="connsiteY3" fmla="*/ 1143200 h 1255427"/>
-              <a:gd name="connsiteX4" fmla="*/ 1017091 w 1255427"/>
-              <a:gd name="connsiteY4" fmla="*/ 1143200 h 1255427"/>
-              <a:gd name="connsiteX5" fmla="*/ 1143200 w 1255427"/>
-              <a:gd name="connsiteY5" fmla="*/ 1017091 h 1255427"/>
-              <a:gd name="connsiteX6" fmla="*/ 1143200 w 1255427"/>
-              <a:gd name="connsiteY6" fmla="*/ 238336 h 1255427"/>
-              <a:gd name="connsiteX7" fmla="*/ 1017091 w 1255427"/>
-              <a:gd name="connsiteY7" fmla="*/ 112227 h 1255427"/>
-              <a:gd name="connsiteX8" fmla="*/ 209242 w 1255427"/>
-              <a:gd name="connsiteY8" fmla="*/ 0 h 1255427"/>
-              <a:gd name="connsiteX9" fmla="*/ 1046185 w 1255427"/>
-              <a:gd name="connsiteY9" fmla="*/ 0 h 1255427"/>
-              <a:gd name="connsiteX10" fmla="*/ 1255427 w 1255427"/>
-              <a:gd name="connsiteY10" fmla="*/ 209242 h 1255427"/>
-              <a:gd name="connsiteX11" fmla="*/ 1255427 w 1255427"/>
-              <a:gd name="connsiteY11" fmla="*/ 1046185 h 1255427"/>
-              <a:gd name="connsiteX12" fmla="*/ 1046185 w 1255427"/>
-              <a:gd name="connsiteY12" fmla="*/ 1255427 h 1255427"/>
-              <a:gd name="connsiteX13" fmla="*/ 209242 w 1255427"/>
-              <a:gd name="connsiteY13" fmla="*/ 1255427 h 1255427"/>
-              <a:gd name="connsiteX14" fmla="*/ 0 w 1255427"/>
-              <a:gd name="connsiteY14" fmla="*/ 1046185 h 1255427"/>
-              <a:gd name="connsiteX15" fmla="*/ 0 w 1255427"/>
-              <a:gd name="connsiteY15" fmla="*/ 209242 h 1255427"/>
-              <a:gd name="connsiteX16" fmla="*/ 209242 w 1255427"/>
-              <a:gd name="connsiteY16" fmla="*/ 0 h 1255427"/>
-            </a:gdLst>
-            <a:ahLst/>
-            <a:cxnLst>
-              <a:cxn ang="0">
-                <a:pos x="connsiteX0" y="connsiteY0"/>
-              </a:cxn>
-              <a:cxn ang="0">
-                <a:pos x="connsiteX1" y="connsiteY1"/>
-              </a:cxn>
-              <a:cxn ang="0">
-                <a:pos x="connsiteX2" y="connsiteY2"/>
-              </a:cxn>
-              <a:cxn ang="0">
-                <a:pos x="connsiteX3" y="connsiteY3"/>
-              </a:cxn>
-              <a:cxn ang="0">
-                <a:pos x="connsiteX4" y="connsiteY4"/>
-              </a:cxn>
-              <a:cxn ang="0">
-                <a:pos x="connsiteX5" y="connsiteY5"/>
-              </a:cxn>
-              <a:cxn ang="0">
-                <a:pos x="connsiteX6" y="connsiteY6"/>
-              </a:cxn>
-              <a:cxn ang="0">
-                <a:pos x="connsiteX7" y="connsiteY7"/>
-              </a:cxn>
-              <a:cxn ang="0">
-                <a:pos x="connsiteX8" y="connsiteY8"/>
-              </a:cxn>
-              <a:cxn ang="0">
-                <a:pos x="connsiteX9" y="connsiteY9"/>
-              </a:cxn>
-              <a:cxn ang="0">
-                <a:pos x="connsiteX10" y="connsiteY10"/>
-              </a:cxn>
-              <a:cxn ang="0">
-                <a:pos x="connsiteX11" y="connsiteY11"/>
-              </a:cxn>
-              <a:cxn ang="0">
-                <a:pos x="connsiteX12" y="connsiteY12"/>
-              </a:cxn>
-              <a:cxn ang="0">
-                <a:pos x="connsiteX13" y="connsiteY13"/>
-              </a:cxn>
-              <a:cxn ang="0">
-                <a:pos x="connsiteX14" y="connsiteY14"/>
-              </a:cxn>
-              <a:cxn ang="0">
-                <a:pos x="connsiteX15" y="connsiteY15"/>
-              </a:cxn>
-              <a:cxn ang="0">
-                <a:pos x="connsiteX16" y="connsiteY16"/>
-              </a:cxn>
-            </a:cxnLst>
-            <a:rect l="l" t="t" r="r" b="b"/>
-            <a:pathLst>
-              <a:path w="1255427" h="1255427">
-                <a:moveTo>
-                  <a:pt x="238336" y="112227"/>
-                </a:moveTo>
-                <a:cubicBezTo>
-                  <a:pt x="168688" y="112227"/>
-                  <a:pt x="112227" y="168688"/>
-                  <a:pt x="112227" y="238336"/>
-                </a:cubicBezTo>
-                <a:lnTo>
-                  <a:pt x="112227" y="1017091"/>
-                </a:lnTo>
-                <a:cubicBezTo>
-                  <a:pt x="112227" y="1086739"/>
-                  <a:pt x="168688" y="1143200"/>
-                  <a:pt x="238336" y="1143200"/>
-                </a:cubicBezTo>
-                <a:lnTo>
-                  <a:pt x="1017091" y="1143200"/>
-                </a:lnTo>
-                <a:cubicBezTo>
-                  <a:pt x="1086739" y="1143200"/>
-                  <a:pt x="1143200" y="1086739"/>
-                  <a:pt x="1143200" y="1017091"/>
-                </a:cubicBezTo>
-                <a:lnTo>
-                  <a:pt x="1143200" y="238336"/>
-                </a:lnTo>
-                <a:cubicBezTo>
-                  <a:pt x="1143200" y="168688"/>
-                  <a:pt x="1086739" y="112227"/>
-                  <a:pt x="1017091" y="112227"/>
-                </a:cubicBezTo>
-                <a:close/>
-                <a:moveTo>
-                  <a:pt x="209242" y="0"/>
-                </a:moveTo>
-                <a:lnTo>
-                  <a:pt x="1046185" y="0"/>
-                </a:lnTo>
-                <a:cubicBezTo>
-                  <a:pt x="1161746" y="0"/>
-                  <a:pt x="1255427" y="93681"/>
-                  <a:pt x="1255427" y="209242"/>
-                </a:cubicBezTo>
-                <a:lnTo>
-                  <a:pt x="1255427" y="1046185"/>
-                </a:lnTo>
-                <a:cubicBezTo>
-                  <a:pt x="1255427" y="1161746"/>
-                  <a:pt x="1161746" y="1255427"/>
-                  <a:pt x="1046185" y="1255427"/>
-                </a:cubicBezTo>
-                <a:lnTo>
-                  <a:pt x="209242" y="1255427"/>
-                </a:lnTo>
-                <a:cubicBezTo>
-                  <a:pt x="93681" y="1255427"/>
-                  <a:pt x="0" y="1161746"/>
-                  <a:pt x="0" y="1046185"/>
-                </a:cubicBezTo>
-                <a:lnTo>
-                  <a:pt x="0" y="209242"/>
-                </a:lnTo>
-                <a:cubicBezTo>
-                  <a:pt x="0" y="93681"/>
-                  <a:pt x="93681" y="0"/>
-                  <a:pt x="209242" y="0"/>
-                </a:cubicBezTo>
-                <a:close/>
-              </a:path>
-            </a:pathLst>
-          </a:custGeom>
-          <a:solidFill>
-            <a:srgbClr val="942124"/>
-          </a:solidFill>
-          <a:ln w="25400" cap="flat" cmpd="sng" algn="ctr">
-            <a:solidFill>
-              <a:srgbClr val="005A9E"/>
-            </a:solidFill>
-            <a:prstDash val="solid"/>
-          </a:ln>
-          <a:effectLst/>
-        </p:spPr>
-        <p:txBody>
-          <a:bodyPr anchor="ctr"/>
-          <a:lstStyle/>
-          <a:p>
-            <a:pPr marL="0" marR="0" lvl="0" indent="0" algn="ctr" defTabSz="914400" eaLnBrk="1" fontAlgn="auto" latinLnBrk="0" hangingPunct="1">
-              <a:lnSpc>
-                <a:spcPct val="100000"/>
-              </a:lnSpc>
-              <a:spcBef>
-                <a:spcPts val="0"/>
-              </a:spcBef>
-              <a:spcAft>
-                <a:spcPts val="0"/>
-              </a:spcAft>
-              <a:buClrTx/>
-              <a:buSzTx/>
-              <a:buFontTx/>
-              <a:buNone/>
-              <a:defRPr/>
-            </a:pPr>
-            <a:endParaRPr kumimoji="0" lang="zh-CN" altLang="en-US" sz="2000" b="0" i="0" u="none" strike="noStrike" kern="0" cap="none" spc="0" normalizeH="0" baseline="0" noProof="0">
-              <a:ln>
-                <a:noFill/>
-              </a:ln>
-              <a:solidFill>
-                <a:srgbClr val="005A9E"/>
-              </a:solidFill>
-              <a:effectLst/>
-              <a:uLnTx/>
-              <a:uFillTx/>
-              <a:latin typeface="微软雅黑 Light" panose="020B0502040204020203" pitchFamily="34" charset="-122"/>
-              <a:ea typeface="微软雅黑 Light" panose="020B0502040204020203" pitchFamily="34" charset="-122"/>
-            </a:endParaRPr>
-          </a:p>
-        </p:txBody>
-      </p:sp>
     </p:spTree>
   </p:cSld>
   <p:clrMapOvr>
@@ -6717,7 +5171,7 @@
         <p:spPr>
           <a:xfrm>
             <a:off x="418587" y="195486"/>
-            <a:ext cx="1452880" cy="398780"/>
+            <a:ext cx="1210588" cy="400110"/>
           </a:xfrm>
           <a:prstGeom prst="rect">
             <a:avLst/>
@@ -6731,14 +5185,20 @@
           <a:lstStyle/>
           <a:p>
             <a:r>
-              <a:rPr lang="zh-CN" altLang="id-ID" sz="2000" dirty="0">
+              <a:rPr lang="zh-CN" altLang="en-US" sz="2000" dirty="0" smtClean="0">
                 <a:solidFill>
                   <a:srgbClr val="445469"/>
                 </a:solidFill>
                 <a:latin typeface="Raleway" panose="020B0003030101060003" pitchFamily="34" charset="0"/>
               </a:rPr>
-              <a:t>液晶屏简介</a:t>
+              <a:t>设计思路</a:t>
             </a:r>
+            <a:endParaRPr lang="zh-CN" altLang="id-ID" sz="2000" dirty="0">
+              <a:solidFill>
+                <a:srgbClr val="445469"/>
+              </a:solidFill>
+              <a:latin typeface="Raleway" panose="020B0003030101060003" pitchFamily="34" charset="0"/>
+            </a:endParaRPr>
           </a:p>
         </p:txBody>
       </p:sp>
@@ -6751,7 +5211,7 @@
         <p:spPr>
           <a:xfrm>
             <a:off x="458470" y="768985"/>
-            <a:ext cx="7236460" cy="922020"/>
+            <a:ext cx="8506018" cy="2308324"/>
           </a:xfrm>
           <a:prstGeom prst="rect">
             <a:avLst/>
@@ -6764,48 +5224,104 @@
           </a:bodyPr>
           <a:lstStyle/>
           <a:p>
+            <a:r>
+              <a:rPr lang="zh-CN" altLang="en-US" dirty="0" smtClean="0">
+                <a:latin typeface="宋体" panose="02010600030101010101" pitchFamily="2" charset="-122"/>
+                <a:ea typeface="宋体" panose="02010600030101010101" pitchFamily="2" charset="-122"/>
+                <a:cs typeface="Times New Roman" panose="02020603050405020304" pitchFamily="18" charset="0"/>
+              </a:rPr>
+              <a:t>设计简单计算器，即不包括运算优先级与括号，仅能进行加减乘除运算，但是可以连续计算。</a:t>
+            </a:r>
+            <a:endParaRPr lang="en-US" altLang="zh-CN" dirty="0" smtClean="0">
+              <a:latin typeface="宋体" panose="02010600030101010101" pitchFamily="2" charset="-122"/>
+              <a:ea typeface="宋体" panose="02010600030101010101" pitchFamily="2" charset="-122"/>
+              <a:cs typeface="Times New Roman" panose="02020603050405020304" pitchFamily="18" charset="0"/>
+            </a:endParaRPr>
+          </a:p>
+          <a:p>
+            <a:r>
+              <a:rPr lang="zh-CN" altLang="en-US" dirty="0" smtClean="0">
+                <a:latin typeface="宋体" panose="02010600030101010101" pitchFamily="2" charset="-122"/>
+                <a:ea typeface="宋体" panose="02010600030101010101" pitchFamily="2" charset="-122"/>
+                <a:cs typeface="Times New Roman" panose="02020603050405020304" pitchFamily="18" charset="0"/>
+              </a:rPr>
+              <a:t>设计思路如下：</a:t>
+            </a:r>
+            <a:endParaRPr lang="en-US" altLang="zh-CN" dirty="0" smtClean="0">
+              <a:latin typeface="宋体" panose="02010600030101010101" pitchFamily="2" charset="-122"/>
+              <a:ea typeface="宋体" panose="02010600030101010101" pitchFamily="2" charset="-122"/>
+              <a:cs typeface="Times New Roman" panose="02020603050405020304" pitchFamily="18" charset="0"/>
+            </a:endParaRPr>
+          </a:p>
+          <a:p>
+            <a:r>
+              <a:rPr lang="zh-CN" altLang="en-US" dirty="0" smtClean="0">
+                <a:latin typeface="宋体" panose="02010600030101010101" pitchFamily="2" charset="-122"/>
+                <a:ea typeface="宋体" panose="02010600030101010101" pitchFamily="2" charset="-122"/>
+                <a:cs typeface="Times New Roman" panose="02020603050405020304" pitchFamily="18" charset="0"/>
+              </a:rPr>
+              <a:t>获得第一个数时，不做处理</a:t>
+            </a:r>
+            <a:endParaRPr lang="en-US" altLang="zh-CN" dirty="0" smtClean="0">
+              <a:latin typeface="宋体" panose="02010600030101010101" pitchFamily="2" charset="-122"/>
+              <a:ea typeface="宋体" panose="02010600030101010101" pitchFamily="2" charset="-122"/>
+              <a:cs typeface="Times New Roman" panose="02020603050405020304" pitchFamily="18" charset="0"/>
+            </a:endParaRPr>
+          </a:p>
+          <a:p>
+            <a:r>
+              <a:rPr lang="zh-CN" altLang="en-US" dirty="0" smtClean="0">
+                <a:latin typeface="宋体" panose="02010600030101010101" pitchFamily="2" charset="-122"/>
+                <a:ea typeface="宋体" panose="02010600030101010101" pitchFamily="2" charset="-122"/>
+                <a:cs typeface="Times New Roman" panose="02020603050405020304" pitchFamily="18" charset="0"/>
+              </a:rPr>
+              <a:t>获得第两个数后，计算出结果，计算出结果后情况和仅有一个数相同</a:t>
+            </a:r>
+            <a:endParaRPr lang="en-US" altLang="zh-CN" dirty="0" smtClean="0">
+              <a:latin typeface="宋体" panose="02010600030101010101" pitchFamily="2" charset="-122"/>
+              <a:ea typeface="宋体" panose="02010600030101010101" pitchFamily="2" charset="-122"/>
+              <a:cs typeface="Times New Roman" panose="02020603050405020304" pitchFamily="18" charset="0"/>
+            </a:endParaRPr>
+          </a:p>
+          <a:p>
+            <a:r>
+              <a:rPr lang="zh-CN" altLang="en-US" dirty="0" smtClean="0">
+                <a:latin typeface="宋体" panose="02010600030101010101" pitchFamily="2" charset="-122"/>
+                <a:ea typeface="宋体" panose="02010600030101010101" pitchFamily="2" charset="-122"/>
+                <a:cs typeface="Times New Roman" panose="02020603050405020304" pitchFamily="18" charset="0"/>
+              </a:rPr>
+              <a:t>当有第三个数进入时，和第二个数处理相同（因为进入时内存中只有一个数）</a:t>
+            </a:r>
+            <a:endParaRPr lang="en-US" altLang="zh-CN" dirty="0" smtClean="0">
+              <a:latin typeface="宋体" panose="02010600030101010101" pitchFamily="2" charset="-122"/>
+              <a:ea typeface="宋体" panose="02010600030101010101" pitchFamily="2" charset="-122"/>
+              <a:cs typeface="Times New Roman" panose="02020603050405020304" pitchFamily="18" charset="0"/>
+            </a:endParaRPr>
+          </a:p>
+          <a:p>
+            <a:endParaRPr lang="en-US" dirty="0" smtClean="0">
+              <a:latin typeface="宋体" panose="02010600030101010101" pitchFamily="2" charset="-122"/>
+              <a:ea typeface="宋体" panose="02010600030101010101" pitchFamily="2" charset="-122"/>
+              <a:cs typeface="Times New Roman" panose="02020603050405020304" pitchFamily="18" charset="0"/>
+            </a:endParaRPr>
+          </a:p>
+          <a:p>
+            <a:r>
+              <a:rPr lang="zh-CN" altLang="en-US" dirty="0" smtClean="0">
+                <a:latin typeface="宋体" panose="02010600030101010101" pitchFamily="2" charset="-122"/>
+                <a:ea typeface="宋体" panose="02010600030101010101" pitchFamily="2" charset="-122"/>
+                <a:cs typeface="Times New Roman" panose="02020603050405020304" pitchFamily="18" charset="0"/>
+              </a:rPr>
+              <a:t>所以本次实验主要分为两部分，获取数据和计算数据</a:t>
+            </a:r>
             <a:endParaRPr dirty="0">
               <a:latin typeface="宋体" panose="02010600030101010101" pitchFamily="2" charset="-122"/>
               <a:ea typeface="宋体" panose="02010600030101010101" pitchFamily="2" charset="-122"/>
               <a:cs typeface="Times New Roman" panose="02020603050405020304" pitchFamily="18" charset="0"/>
             </a:endParaRPr>
           </a:p>
-          <a:p>
-            <a:r>
-              <a:rPr dirty="0">
-                <a:latin typeface="宋体" panose="02010600030101010101" pitchFamily="2" charset="-122"/>
-                <a:ea typeface="宋体" panose="02010600030101010101" pitchFamily="2" charset="-122"/>
-                <a:cs typeface="Times New Roman" panose="02020603050405020304" pitchFamily="18" charset="0"/>
-              </a:rPr>
-              <a:t>ST7735S液晶屏幕的分辨率为128*160，显示色彩种类为65K,支持四线SPI接口，采用白色的背光灯。</a:t>
-            </a:r>
-          </a:p>
-        </p:txBody>
-      </p:sp>
-      <p:pic>
-        <p:nvPicPr>
-          <p:cNvPr id="2" name="图片 1"/>
-          <p:cNvPicPr>
-            <a:picLocks noChangeAspect="1"/>
-          </p:cNvPicPr>
-          <p:nvPr/>
-        </p:nvPicPr>
-        <p:blipFill>
-          <a:blip r:embed="rId3"/>
-          <a:stretch>
-            <a:fillRect/>
-          </a:stretch>
-        </p:blipFill>
-        <p:spPr>
-          <a:xfrm>
-            <a:off x="640715" y="1890395"/>
-            <a:ext cx="2533650" cy="2857500"/>
-          </a:xfrm>
-          <a:prstGeom prst="rect">
-            <a:avLst/>
-          </a:prstGeom>
-        </p:spPr>
-      </p:pic>
+        </p:txBody>
+      </p:sp>
     </p:spTree>
   </p:cSld>
   <p:clrMapOvr>
@@ -6978,7 +5494,7 @@
         <p:spPr>
           <a:xfrm>
             <a:off x="418587" y="195486"/>
-            <a:ext cx="2722880" cy="398780"/>
+            <a:ext cx="1210588" cy="400110"/>
           </a:xfrm>
           <a:prstGeom prst="rect">
             <a:avLst/>
@@ -6992,59 +5508,100 @@
           <a:lstStyle/>
           <a:p>
             <a:r>
-              <a:rPr lang="zh-CN" altLang="id-ID" sz="2000" dirty="0">
+              <a:rPr lang="zh-CN" altLang="en-US" sz="2000" dirty="0">
                 <a:solidFill>
                   <a:srgbClr val="445469"/>
                 </a:solidFill>
                 <a:latin typeface="Raleway" panose="020B0003030101060003" pitchFamily="34" charset="0"/>
               </a:rPr>
-              <a:t>液晶屏尺寸与屏幕接口</a:t>
+              <a:t>代码解释</a:t>
             </a:r>
+            <a:endParaRPr lang="zh-CN" altLang="id-ID" sz="2000" dirty="0">
+              <a:solidFill>
+                <a:srgbClr val="445469"/>
+              </a:solidFill>
+              <a:latin typeface="Raleway" panose="020B0003030101060003" pitchFamily="34" charset="0"/>
+            </a:endParaRPr>
+          </a:p>
+        </p:txBody>
+      </p:sp>
+      <p:sp>
+        <p:nvSpPr>
+          <p:cNvPr id="16" name="文本框 15"/>
+          <p:cNvSpPr txBox="1"/>
+          <p:nvPr/>
+        </p:nvSpPr>
+        <p:spPr>
+          <a:xfrm>
+            <a:off x="458470" y="768985"/>
+            <a:ext cx="8866058" cy="923330"/>
+          </a:xfrm>
+          <a:prstGeom prst="rect">
+            <a:avLst/>
+          </a:prstGeom>
+          <a:noFill/>
+        </p:spPr>
+        <p:txBody>
+          <a:bodyPr wrap="square" rtlCol="0">
+            <a:spAutoFit/>
+          </a:bodyPr>
+          <a:lstStyle/>
+          <a:p>
+            <a:r>
+              <a:rPr lang="zh-CN" altLang="en-US" dirty="0" smtClean="0">
+                <a:latin typeface="宋体" panose="02010600030101010101" pitchFamily="2" charset="-122"/>
+                <a:ea typeface="宋体" panose="02010600030101010101" pitchFamily="2" charset="-122"/>
+                <a:cs typeface="Times New Roman" panose="02020603050405020304" pitchFamily="18" charset="0"/>
+              </a:rPr>
+              <a:t>输入进内存的是一串字符串，包含运算符号与数字，所以需要以运算符号为边界确定数字，同时在连续计算的时候，要考虑获得字符串首位为运算符号的情况</a:t>
+            </a:r>
+            <a:endParaRPr lang="en-US" altLang="zh-CN" dirty="0" smtClean="0">
+              <a:latin typeface="宋体" panose="02010600030101010101" pitchFamily="2" charset="-122"/>
+              <a:ea typeface="宋体" panose="02010600030101010101" pitchFamily="2" charset="-122"/>
+              <a:cs typeface="Times New Roman" panose="02020603050405020304" pitchFamily="18" charset="0"/>
+            </a:endParaRPr>
+          </a:p>
+          <a:p>
+            <a:r>
+              <a:rPr lang="zh-CN" altLang="en-US" dirty="0" smtClean="0">
+                <a:latin typeface="宋体" panose="02010600030101010101" pitchFamily="2" charset="-122"/>
+                <a:ea typeface="宋体" panose="02010600030101010101" pitchFamily="2" charset="-122"/>
+                <a:cs typeface="Times New Roman" panose="02020603050405020304" pitchFamily="18" charset="0"/>
+              </a:rPr>
+              <a:t>具体代码如下：</a:t>
+            </a:r>
+            <a:endParaRPr dirty="0">
+              <a:latin typeface="宋体" panose="02010600030101010101" pitchFamily="2" charset="-122"/>
+              <a:ea typeface="宋体" panose="02010600030101010101" pitchFamily="2" charset="-122"/>
+              <a:cs typeface="Times New Roman" panose="02020603050405020304" pitchFamily="18" charset="0"/>
+            </a:endParaRPr>
           </a:p>
         </p:txBody>
       </p:sp>
       <p:pic>
         <p:nvPicPr>
-          <p:cNvPr id="2" name="图片 2" descr="VXNLIL4KR@6GMD4)T~2~LM5"/>
+          <p:cNvPr id="2" name="图片 1"/>
           <p:cNvPicPr>
             <a:picLocks noChangeAspect="1"/>
           </p:cNvPicPr>
           <p:nvPr/>
         </p:nvPicPr>
         <p:blipFill>
-          <a:blip r:embed="rId3"/>
+          <a:blip r:embed="rId3">
+            <a:extLst>
+              <a:ext uri="{28A0092B-C50C-407E-A947-70E740481C1C}">
+                <a14:useLocalDpi xmlns:a14="http://schemas.microsoft.com/office/drawing/2010/main" val="0"/>
+              </a:ext>
+            </a:extLst>
+          </a:blip>
           <a:stretch>
             <a:fillRect/>
           </a:stretch>
         </p:blipFill>
         <p:spPr>
           <a:xfrm>
-            <a:off x="4760595" y="1091565"/>
-            <a:ext cx="4036060" cy="2616835"/>
-          </a:xfrm>
-          <a:prstGeom prst="rect">
-            <a:avLst/>
-          </a:prstGeom>
-        </p:spPr>
-      </p:pic>
-      <p:pic>
-        <p:nvPicPr>
-          <p:cNvPr id="3" name="图片 2"/>
-          <p:cNvPicPr>
-            <a:picLocks noChangeAspect="1"/>
-          </p:cNvPicPr>
-          <p:nvPr/>
-        </p:nvPicPr>
-        <p:blipFill>
-          <a:blip r:embed="rId4"/>
-          <a:stretch>
-            <a:fillRect/>
-          </a:stretch>
-        </p:blipFill>
-        <p:spPr>
-          <a:xfrm>
-            <a:off x="179070" y="1091565"/>
-            <a:ext cx="3841750" cy="2609850"/>
+            <a:off x="565683" y="1692315"/>
+            <a:ext cx="7984686" cy="2880320"/>
           </a:xfrm>
           <a:prstGeom prst="rect">
             <a:avLst/>
@@ -7052,6 +5609,11 @@
         </p:spPr>
       </p:pic>
     </p:spTree>
+    <p:extLst>
+      <p:ext uri="{BB962C8B-B14F-4D97-AF65-F5344CB8AC3E}">
+        <p14:creationId xmlns:p14="http://schemas.microsoft.com/office/powerpoint/2010/main" val="1129025816"/>
+      </p:ext>
+    </p:extLst>
   </p:cSld>
   <p:clrMapOvr>
     <a:masterClrMapping/>
@@ -7223,7 +5785,7 @@
         <p:spPr>
           <a:xfrm>
             <a:off x="418587" y="195486"/>
-            <a:ext cx="1706880" cy="398780"/>
+            <a:ext cx="1210588" cy="400110"/>
           </a:xfrm>
           <a:prstGeom prst="rect">
             <a:avLst/>
@@ -7237,31 +5799,13 @@
           <a:lstStyle/>
           <a:p>
             <a:r>
-              <a:rPr lang="zh-CN" altLang="id-ID" sz="2000" dirty="0">
+              <a:rPr lang="zh-CN" altLang="en-US" sz="2000" dirty="0">
                 <a:solidFill>
                   <a:srgbClr val="445469"/>
                 </a:solidFill>
                 <a:latin typeface="Raleway" panose="020B0003030101060003" pitchFamily="34" charset="0"/>
               </a:rPr>
-              <a:t>液晶</a:t>
-            </a:r>
-            <a:r>
-              <a:rPr lang="zh-CN" altLang="id-ID" sz="2000">
-                <a:solidFill>
-                  <a:srgbClr val="445469"/>
-                </a:solidFill>
-                <a:latin typeface="Raleway" panose="020B0003030101060003" pitchFamily="34" charset="0"/>
-              </a:rPr>
-              <a:t>屏</a:t>
-            </a:r>
-            <a:r>
-              <a:rPr lang="zh-CN" altLang="id-ID" sz="2000" smtClean="0">
-                <a:solidFill>
-                  <a:srgbClr val="445469"/>
-                </a:solidFill>
-                <a:latin typeface="Raleway" panose="020B0003030101060003" pitchFamily="34" charset="0"/>
-              </a:rPr>
-              <a:t>的应用</a:t>
+              <a:t>代码解释</a:t>
             </a:r>
             <a:endParaRPr lang="zh-CN" altLang="id-ID" sz="2000" dirty="0">
               <a:solidFill>
@@ -7272,270 +5816,110 @@
           </a:p>
         </p:txBody>
       </p:sp>
+      <p:sp>
+        <p:nvSpPr>
+          <p:cNvPr id="16" name="文本框 15"/>
+          <p:cNvSpPr txBox="1"/>
+          <p:nvPr/>
+        </p:nvSpPr>
+        <p:spPr>
+          <a:xfrm>
+            <a:off x="457967" y="771550"/>
+            <a:ext cx="7236460" cy="369332"/>
+          </a:xfrm>
+          <a:prstGeom prst="rect">
+            <a:avLst/>
+          </a:prstGeom>
+          <a:noFill/>
+        </p:spPr>
+        <p:txBody>
+          <a:bodyPr wrap="square" rtlCol="0">
+            <a:spAutoFit/>
+          </a:bodyPr>
+          <a:lstStyle/>
+          <a:p>
+            <a:r>
+              <a:rPr lang="zh-CN" altLang="en-US" dirty="0" smtClean="0">
+                <a:latin typeface="宋体" panose="02010600030101010101" pitchFamily="2" charset="-122"/>
+                <a:ea typeface="宋体" panose="02010600030101010101" pitchFamily="2" charset="-122"/>
+                <a:cs typeface="Times New Roman" panose="02020603050405020304" pitchFamily="18" charset="0"/>
+              </a:rPr>
+              <a:t>代码接上页：</a:t>
+            </a:r>
+            <a:endParaRPr dirty="0">
+              <a:latin typeface="宋体" panose="02010600030101010101" pitchFamily="2" charset="-122"/>
+              <a:ea typeface="宋体" panose="02010600030101010101" pitchFamily="2" charset="-122"/>
+              <a:cs typeface="Times New Roman" panose="02020603050405020304" pitchFamily="18" charset="0"/>
+            </a:endParaRPr>
+          </a:p>
+        </p:txBody>
+      </p:sp>
       <p:pic>
         <p:nvPicPr>
-          <p:cNvPr id="2" name="图片 1"/>
+          <p:cNvPr id="3" name="图片 2"/>
           <p:cNvPicPr>
             <a:picLocks noChangeAspect="1"/>
           </p:cNvPicPr>
           <p:nvPr/>
         </p:nvPicPr>
         <p:blipFill>
-          <a:blip r:embed="rId3"/>
+          <a:blip r:embed="rId3">
+            <a:extLst>
+              <a:ext uri="{28A0092B-C50C-407E-A947-70E740481C1C}">
+                <a14:useLocalDpi xmlns:a14="http://schemas.microsoft.com/office/drawing/2010/main" val="0"/>
+              </a:ext>
+            </a:extLst>
+          </a:blip>
           <a:stretch>
             <a:fillRect/>
           </a:stretch>
         </p:blipFill>
         <p:spPr>
           <a:xfrm>
-            <a:off x="5034915" y="265430"/>
-            <a:ext cx="3361055" cy="4600575"/>
+            <a:off x="418317" y="1140883"/>
+            <a:ext cx="3732612" cy="3015044"/>
           </a:xfrm>
           <a:prstGeom prst="rect">
             <a:avLst/>
           </a:prstGeom>
         </p:spPr>
       </p:pic>
-      <p:sp>
-        <p:nvSpPr>
-          <p:cNvPr id="3" name="内容占位符 1"/>
-          <p:cNvSpPr txBox="1"/>
+      <p:pic>
+        <p:nvPicPr>
+          <p:cNvPr id="5" name="图片 4"/>
+          <p:cNvPicPr>
+            <a:picLocks noChangeAspect="1"/>
+          </p:cNvPicPr>
           <p:nvPr/>
-        </p:nvSpPr>
+        </p:nvPicPr>
+        <p:blipFill>
+          <a:blip r:embed="rId4">
+            <a:extLst>
+              <a:ext uri="{28A0092B-C50C-407E-A947-70E740481C1C}">
+                <a14:useLocalDpi xmlns:a14="http://schemas.microsoft.com/office/drawing/2010/main" val="0"/>
+              </a:ext>
+            </a:extLst>
+          </a:blip>
+          <a:stretch>
+            <a:fillRect/>
+          </a:stretch>
+        </p:blipFill>
         <p:spPr>
           <a:xfrm>
-            <a:off x="280670" y="716915"/>
-            <a:ext cx="4295775" cy="3710305"/>
+            <a:off x="4499992" y="1140526"/>
+            <a:ext cx="3996817" cy="3313600"/>
           </a:xfrm>
           <a:prstGeom prst="rect">
             <a:avLst/>
           </a:prstGeom>
         </p:spPr>
-        <p:txBody>
-          <a:bodyPr>
-            <a:normAutofit fontScale="90000" lnSpcReduction="20000"/>
-          </a:bodyPr>
-          <a:lstStyle>
-            <a:lvl1pPr marL="342900" indent="-342900" algn="l" defTabSz="914400" rtl="0" eaLnBrk="1" latinLnBrk="0" hangingPunct="1">
-              <a:spcBef>
-                <a:spcPct val="20000"/>
-              </a:spcBef>
-              <a:buFont typeface="Arial" panose="020B0604020202020204" pitchFamily="34" charset="0"/>
-              <a:buChar char="•"/>
-              <a:defRPr sz="3200" kern="1200">
-                <a:solidFill>
-                  <a:schemeClr val="tx1"/>
-                </a:solidFill>
-                <a:latin typeface="+mn-lt"/>
-                <a:ea typeface="+mn-ea"/>
-                <a:cs typeface="+mn-cs"/>
-              </a:defRPr>
-            </a:lvl1pPr>
-            <a:lvl2pPr marL="742950" indent="-285750" algn="l" defTabSz="914400" rtl="0" eaLnBrk="1" latinLnBrk="0" hangingPunct="1">
-              <a:spcBef>
-                <a:spcPct val="20000"/>
-              </a:spcBef>
-              <a:buFont typeface="Arial" panose="020B0604020202020204" pitchFamily="34" charset="0"/>
-              <a:buChar char="–"/>
-              <a:defRPr sz="2800" kern="1200">
-                <a:solidFill>
-                  <a:schemeClr val="tx1"/>
-                </a:solidFill>
-                <a:latin typeface="+mn-lt"/>
-                <a:ea typeface="+mn-ea"/>
-                <a:cs typeface="+mn-cs"/>
-              </a:defRPr>
-            </a:lvl2pPr>
-            <a:lvl3pPr marL="1143000" indent="-228600" algn="l" defTabSz="914400" rtl="0" eaLnBrk="1" latinLnBrk="0" hangingPunct="1">
-              <a:spcBef>
-                <a:spcPct val="20000"/>
-              </a:spcBef>
-              <a:buFont typeface="Arial" panose="020B0604020202020204" pitchFamily="34" charset="0"/>
-              <a:buChar char="•"/>
-              <a:defRPr sz="2400" kern="1200">
-                <a:solidFill>
-                  <a:schemeClr val="tx1"/>
-                </a:solidFill>
-                <a:latin typeface="+mn-lt"/>
-                <a:ea typeface="+mn-ea"/>
-                <a:cs typeface="+mn-cs"/>
-              </a:defRPr>
-            </a:lvl3pPr>
-            <a:lvl4pPr marL="1600200" indent="-228600" algn="l" defTabSz="914400" rtl="0" eaLnBrk="1" latinLnBrk="0" hangingPunct="1">
-              <a:spcBef>
-                <a:spcPct val="20000"/>
-              </a:spcBef>
-              <a:buFont typeface="Arial" panose="020B0604020202020204" pitchFamily="34" charset="0"/>
-              <a:buChar char="–"/>
-              <a:defRPr sz="2000" kern="1200">
-                <a:solidFill>
-                  <a:schemeClr val="tx1"/>
-                </a:solidFill>
-                <a:latin typeface="+mn-lt"/>
-                <a:ea typeface="+mn-ea"/>
-                <a:cs typeface="+mn-cs"/>
-              </a:defRPr>
-            </a:lvl4pPr>
-            <a:lvl5pPr marL="2057400" indent="-228600" algn="l" defTabSz="914400" rtl="0" eaLnBrk="1" latinLnBrk="0" hangingPunct="1">
-              <a:spcBef>
-                <a:spcPct val="20000"/>
-              </a:spcBef>
-              <a:buFont typeface="Arial" panose="020B0604020202020204" pitchFamily="34" charset="0"/>
-              <a:buChar char="»"/>
-              <a:defRPr sz="2000" kern="1200">
-                <a:solidFill>
-                  <a:schemeClr val="tx1"/>
-                </a:solidFill>
-                <a:latin typeface="+mn-lt"/>
-                <a:ea typeface="+mn-ea"/>
-                <a:cs typeface="+mn-cs"/>
-              </a:defRPr>
-            </a:lvl5pPr>
-            <a:lvl6pPr marL="2514600" indent="-228600" algn="l" defTabSz="914400" rtl="0" eaLnBrk="1" latinLnBrk="0" hangingPunct="1">
-              <a:spcBef>
-                <a:spcPct val="20000"/>
-              </a:spcBef>
-              <a:buFont typeface="Arial" panose="020B0604020202020204" pitchFamily="34" charset="0"/>
-              <a:buChar char="•"/>
-              <a:defRPr sz="2000" kern="1200">
-                <a:solidFill>
-                  <a:schemeClr val="tx1"/>
-                </a:solidFill>
-                <a:latin typeface="+mn-lt"/>
-                <a:ea typeface="+mn-ea"/>
-                <a:cs typeface="+mn-cs"/>
-              </a:defRPr>
-            </a:lvl6pPr>
-            <a:lvl7pPr marL="2971800" indent="-228600" algn="l" defTabSz="914400" rtl="0" eaLnBrk="1" latinLnBrk="0" hangingPunct="1">
-              <a:spcBef>
-                <a:spcPct val="20000"/>
-              </a:spcBef>
-              <a:buFont typeface="Arial" panose="020B0604020202020204" pitchFamily="34" charset="0"/>
-              <a:buChar char="•"/>
-              <a:defRPr sz="2000" kern="1200">
-                <a:solidFill>
-                  <a:schemeClr val="tx1"/>
-                </a:solidFill>
-                <a:latin typeface="+mn-lt"/>
-                <a:ea typeface="+mn-ea"/>
-                <a:cs typeface="+mn-cs"/>
-              </a:defRPr>
-            </a:lvl7pPr>
-            <a:lvl8pPr marL="3429000" indent="-228600" algn="l" defTabSz="914400" rtl="0" eaLnBrk="1" latinLnBrk="0" hangingPunct="1">
-              <a:spcBef>
-                <a:spcPct val="20000"/>
-              </a:spcBef>
-              <a:buFont typeface="Arial" panose="020B0604020202020204" pitchFamily="34" charset="0"/>
-              <a:buChar char="•"/>
-              <a:defRPr sz="2000" kern="1200">
-                <a:solidFill>
-                  <a:schemeClr val="tx1"/>
-                </a:solidFill>
-                <a:latin typeface="+mn-lt"/>
-                <a:ea typeface="+mn-ea"/>
-                <a:cs typeface="+mn-cs"/>
-              </a:defRPr>
-            </a:lvl8pPr>
-            <a:lvl9pPr marL="3886200" indent="-228600" algn="l" defTabSz="914400" rtl="0" eaLnBrk="1" latinLnBrk="0" hangingPunct="1">
-              <a:spcBef>
-                <a:spcPct val="20000"/>
-              </a:spcBef>
-              <a:buFont typeface="Arial" panose="020B0604020202020204" pitchFamily="34" charset="0"/>
-              <a:buChar char="•"/>
-              <a:defRPr sz="2000" kern="1200">
-                <a:solidFill>
-                  <a:schemeClr val="tx1"/>
-                </a:solidFill>
-                <a:latin typeface="+mn-lt"/>
-                <a:ea typeface="+mn-ea"/>
-                <a:cs typeface="+mn-cs"/>
-              </a:defRPr>
-            </a:lvl9pPr>
-          </a:lstStyle>
-          <a:p>
-            <a:pPr>
-              <a:lnSpc>
-                <a:spcPct val="150000"/>
-              </a:lnSpc>
-            </a:pPr>
-            <a:r>
-              <a:rPr lang="zh-CN" altLang="en-US" sz="2000" dirty="0">
-                <a:sym typeface="+mn-ea"/>
-              </a:rPr>
-              <a:t>在液晶屏上实现如图的猜拳游戏</a:t>
-            </a:r>
-          </a:p>
-          <a:p>
-            <a:pPr>
-              <a:lnSpc>
-                <a:spcPct val="150000"/>
-              </a:lnSpc>
-            </a:pPr>
-            <a:r>
-              <a:rPr lang="zh-CN" altLang="en-US" sz="2000" dirty="0">
-                <a:sym typeface="+mn-ea"/>
-              </a:rPr>
-              <a:t>游戏界面分为三个区域</a:t>
-            </a:r>
-          </a:p>
-          <a:p>
-            <a:pPr>
-              <a:lnSpc>
-                <a:spcPct val="150000"/>
-              </a:lnSpc>
-            </a:pPr>
-            <a:r>
-              <a:rPr lang="zh-CN" altLang="en-US" sz="2000" dirty="0">
-                <a:sym typeface="+mn-ea"/>
-              </a:rPr>
-              <a:t>最顶部的区域显示游戏规则和操作说明</a:t>
-            </a:r>
-            <a:endParaRPr sz="2000" dirty="0"/>
-          </a:p>
-          <a:p>
-            <a:pPr>
-              <a:lnSpc>
-                <a:spcPct val="150000"/>
-              </a:lnSpc>
-            </a:pPr>
-            <a:r>
-              <a:rPr lang="zh-CN" altLang="en-US" sz="2000" dirty="0" smtClean="0"/>
-              <a:t>中间区域显示每次猜拳的情况，包括玩家手势、电脑手势和胜负结果</a:t>
-            </a:r>
-          </a:p>
-          <a:p>
-            <a:pPr>
-              <a:lnSpc>
-                <a:spcPct val="150000"/>
-              </a:lnSpc>
-            </a:pPr>
-            <a:r>
-              <a:rPr lang="zh-CN" altLang="en-US" sz="2000" dirty="0" smtClean="0"/>
-              <a:t>玩家手势通过不同的按键来表示</a:t>
-            </a:r>
-          </a:p>
-          <a:p>
-            <a:pPr>
-              <a:lnSpc>
-                <a:spcPct val="150000"/>
-              </a:lnSpc>
-            </a:pPr>
-            <a:r>
-              <a:rPr lang="zh-CN" altLang="en-US" sz="2000" dirty="0" smtClean="0"/>
-              <a:t>最下面的区域显示游戏胜负情况的汇总结果</a:t>
-            </a:r>
-          </a:p>
-          <a:p>
-            <a:pPr>
-              <a:lnSpc>
-                <a:spcPct val="150000"/>
-              </a:lnSpc>
-            </a:pPr>
-            <a:endParaRPr lang="en-US" altLang="zh-CN" sz="2000" dirty="0"/>
-          </a:p>
-        </p:txBody>
-      </p:sp>
+      </p:pic>
     </p:spTree>
+    <p:extLst>
+      <p:ext uri="{BB962C8B-B14F-4D97-AF65-F5344CB8AC3E}">
+        <p14:creationId xmlns:p14="http://schemas.microsoft.com/office/powerpoint/2010/main" val="3256293843"/>
+      </p:ext>
+    </p:extLst>
   </p:cSld>
   <p:clrMapOvr>
     <a:masterClrMapping/>
@@ -7548,13 +5932,6 @@
       <p:transition/>
     </mc:Fallback>
   </mc:AlternateContent>
-  <p:timing>
-    <p:tnLst>
-      <p:par>
-        <p:cTn id="1" dur="indefinite" restart="never" nodeType="tmRoot"/>
-      </p:par>
-    </p:tnLst>
-  </p:timing>
 </p:sld>
 </file>
 
@@ -7714,7 +6091,7 @@
         <p:spPr>
           <a:xfrm>
             <a:off x="418587" y="195486"/>
-            <a:ext cx="1706880" cy="398780"/>
+            <a:ext cx="1210588" cy="400110"/>
           </a:xfrm>
           <a:prstGeom prst="rect">
             <a:avLst/>
@@ -7728,219 +6105,116 @@
           <a:lstStyle/>
           <a:p>
             <a:r>
-              <a:rPr lang="zh-CN" altLang="id-ID" sz="2000" dirty="0">
+              <a:rPr lang="zh-CN" altLang="en-US" sz="2000" dirty="0" smtClean="0">
                 <a:solidFill>
                   <a:srgbClr val="445469"/>
                 </a:solidFill>
                 <a:latin typeface="Raleway" panose="020B0003030101060003" pitchFamily="34" charset="0"/>
               </a:rPr>
-              <a:t>液晶屏的应用</a:t>
+              <a:t>代码解释</a:t>
             </a:r>
-          </a:p>
-        </p:txBody>
-      </p:sp>
-      <p:sp>
-        <p:nvSpPr>
-          <p:cNvPr id="3" name="内容占位符 1"/>
+            <a:endParaRPr lang="zh-CN" altLang="id-ID" sz="2000" dirty="0">
+              <a:solidFill>
+                <a:srgbClr val="445469"/>
+              </a:solidFill>
+              <a:latin typeface="Raleway" panose="020B0003030101060003" pitchFamily="34" charset="0"/>
+            </a:endParaRPr>
+          </a:p>
+        </p:txBody>
+      </p:sp>
+      <p:sp>
+        <p:nvSpPr>
+          <p:cNvPr id="16" name="文本框 15"/>
           <p:cNvSpPr txBox="1"/>
           <p:nvPr/>
         </p:nvSpPr>
         <p:spPr>
           <a:xfrm>
-            <a:off x="280670" y="716915"/>
-            <a:ext cx="4295775" cy="3710305"/>
+            <a:off x="458470" y="768985"/>
+            <a:ext cx="7236460" cy="646331"/>
           </a:xfrm>
           <a:prstGeom prst="rect">
             <a:avLst/>
           </a:prstGeom>
+          <a:noFill/>
         </p:spPr>
         <p:txBody>
-          <a:bodyPr>
-            <a:normAutofit/>
+          <a:bodyPr wrap="square" rtlCol="0">
+            <a:spAutoFit/>
           </a:bodyPr>
-          <a:lstStyle>
-            <a:lvl1pPr marL="342900" indent="-342900" algn="l" defTabSz="914400" rtl="0" eaLnBrk="1" latinLnBrk="0" hangingPunct="1">
-              <a:spcBef>
-                <a:spcPct val="20000"/>
-              </a:spcBef>
-              <a:buFont typeface="Arial" panose="020B0604020202020204" pitchFamily="34" charset="0"/>
-              <a:buChar char="•"/>
-              <a:defRPr sz="3200" kern="1200">
-                <a:solidFill>
-                  <a:schemeClr val="tx1"/>
-                </a:solidFill>
-                <a:latin typeface="+mn-lt"/>
-                <a:ea typeface="+mn-ea"/>
-                <a:cs typeface="+mn-cs"/>
-              </a:defRPr>
-            </a:lvl1pPr>
-            <a:lvl2pPr marL="742950" indent="-285750" algn="l" defTabSz="914400" rtl="0" eaLnBrk="1" latinLnBrk="0" hangingPunct="1">
-              <a:spcBef>
-                <a:spcPct val="20000"/>
-              </a:spcBef>
-              <a:buFont typeface="Arial" panose="020B0604020202020204" pitchFamily="34" charset="0"/>
-              <a:buChar char="–"/>
-              <a:defRPr sz="2800" kern="1200">
-                <a:solidFill>
-                  <a:schemeClr val="tx1"/>
-                </a:solidFill>
-                <a:latin typeface="+mn-lt"/>
-                <a:ea typeface="+mn-ea"/>
-                <a:cs typeface="+mn-cs"/>
-              </a:defRPr>
-            </a:lvl2pPr>
-            <a:lvl3pPr marL="1143000" indent="-228600" algn="l" defTabSz="914400" rtl="0" eaLnBrk="1" latinLnBrk="0" hangingPunct="1">
-              <a:spcBef>
-                <a:spcPct val="20000"/>
-              </a:spcBef>
-              <a:buFont typeface="Arial" panose="020B0604020202020204" pitchFamily="34" charset="0"/>
-              <a:buChar char="•"/>
-              <a:defRPr sz="2400" kern="1200">
-                <a:solidFill>
-                  <a:schemeClr val="tx1"/>
-                </a:solidFill>
-                <a:latin typeface="+mn-lt"/>
-                <a:ea typeface="+mn-ea"/>
-                <a:cs typeface="+mn-cs"/>
-              </a:defRPr>
-            </a:lvl3pPr>
-            <a:lvl4pPr marL="1600200" indent="-228600" algn="l" defTabSz="914400" rtl="0" eaLnBrk="1" latinLnBrk="0" hangingPunct="1">
-              <a:spcBef>
-                <a:spcPct val="20000"/>
-              </a:spcBef>
-              <a:buFont typeface="Arial" panose="020B0604020202020204" pitchFamily="34" charset="0"/>
-              <a:buChar char="–"/>
-              <a:defRPr sz="2000" kern="1200">
-                <a:solidFill>
-                  <a:schemeClr val="tx1"/>
-                </a:solidFill>
-                <a:latin typeface="+mn-lt"/>
-                <a:ea typeface="+mn-ea"/>
-                <a:cs typeface="+mn-cs"/>
-              </a:defRPr>
-            </a:lvl4pPr>
-            <a:lvl5pPr marL="2057400" indent="-228600" algn="l" defTabSz="914400" rtl="0" eaLnBrk="1" latinLnBrk="0" hangingPunct="1">
-              <a:spcBef>
-                <a:spcPct val="20000"/>
-              </a:spcBef>
-              <a:buFont typeface="Arial" panose="020B0604020202020204" pitchFamily="34" charset="0"/>
-              <a:buChar char="»"/>
-              <a:defRPr sz="2000" kern="1200">
-                <a:solidFill>
-                  <a:schemeClr val="tx1"/>
-                </a:solidFill>
-                <a:latin typeface="+mn-lt"/>
-                <a:ea typeface="+mn-ea"/>
-                <a:cs typeface="+mn-cs"/>
-              </a:defRPr>
-            </a:lvl5pPr>
-            <a:lvl6pPr marL="2514600" indent="-228600" algn="l" defTabSz="914400" rtl="0" eaLnBrk="1" latinLnBrk="0" hangingPunct="1">
-              <a:spcBef>
-                <a:spcPct val="20000"/>
-              </a:spcBef>
-              <a:buFont typeface="Arial" panose="020B0604020202020204" pitchFamily="34" charset="0"/>
-              <a:buChar char="•"/>
-              <a:defRPr sz="2000" kern="1200">
-                <a:solidFill>
-                  <a:schemeClr val="tx1"/>
-                </a:solidFill>
-                <a:latin typeface="+mn-lt"/>
-                <a:ea typeface="+mn-ea"/>
-                <a:cs typeface="+mn-cs"/>
-              </a:defRPr>
-            </a:lvl6pPr>
-            <a:lvl7pPr marL="2971800" indent="-228600" algn="l" defTabSz="914400" rtl="0" eaLnBrk="1" latinLnBrk="0" hangingPunct="1">
-              <a:spcBef>
-                <a:spcPct val="20000"/>
-              </a:spcBef>
-              <a:buFont typeface="Arial" panose="020B0604020202020204" pitchFamily="34" charset="0"/>
-              <a:buChar char="•"/>
-              <a:defRPr sz="2000" kern="1200">
-                <a:solidFill>
-                  <a:schemeClr val="tx1"/>
-                </a:solidFill>
-                <a:latin typeface="+mn-lt"/>
-                <a:ea typeface="+mn-ea"/>
-                <a:cs typeface="+mn-cs"/>
-              </a:defRPr>
-            </a:lvl7pPr>
-            <a:lvl8pPr marL="3429000" indent="-228600" algn="l" defTabSz="914400" rtl="0" eaLnBrk="1" latinLnBrk="0" hangingPunct="1">
-              <a:spcBef>
-                <a:spcPct val="20000"/>
-              </a:spcBef>
-              <a:buFont typeface="Arial" panose="020B0604020202020204" pitchFamily="34" charset="0"/>
-              <a:buChar char="•"/>
-              <a:defRPr sz="2000" kern="1200">
-                <a:solidFill>
-                  <a:schemeClr val="tx1"/>
-                </a:solidFill>
-                <a:latin typeface="+mn-lt"/>
-                <a:ea typeface="+mn-ea"/>
-                <a:cs typeface="+mn-cs"/>
-              </a:defRPr>
-            </a:lvl8pPr>
-            <a:lvl9pPr marL="3886200" indent="-228600" algn="l" defTabSz="914400" rtl="0" eaLnBrk="1" latinLnBrk="0" hangingPunct="1">
-              <a:spcBef>
-                <a:spcPct val="20000"/>
-              </a:spcBef>
-              <a:buFont typeface="Arial" panose="020B0604020202020204" pitchFamily="34" charset="0"/>
-              <a:buChar char="•"/>
-              <a:defRPr sz="2000" kern="1200">
-                <a:solidFill>
-                  <a:schemeClr val="tx1"/>
-                </a:solidFill>
-                <a:latin typeface="+mn-lt"/>
-                <a:ea typeface="+mn-ea"/>
-                <a:cs typeface="+mn-cs"/>
-              </a:defRPr>
-            </a:lvl9pPr>
-          </a:lstStyle>
-          <a:p>
-            <a:pPr>
-              <a:lnSpc>
-                <a:spcPct val="150000"/>
-              </a:lnSpc>
-            </a:pPr>
+          <a:lstStyle/>
+          <a:p>
             <a:r>
-              <a:rPr lang="zh-CN" altLang="en-US" sz="2000" dirty="0">
-                <a:sym typeface="+mn-ea"/>
+              <a:rPr lang="zh-CN" altLang="en-US" dirty="0" smtClean="0">
+                <a:latin typeface="宋体" panose="02010600030101010101" pitchFamily="2" charset="-122"/>
+                <a:ea typeface="宋体" panose="02010600030101010101" pitchFamily="2" charset="-122"/>
+                <a:cs typeface="Times New Roman" panose="02020603050405020304" pitchFamily="18" charset="0"/>
               </a:rPr>
-              <a:t>在液晶屏上实现画国旗</a:t>
+              <a:t>获取数据部分需要使用</a:t>
             </a:r>
-            <a:endParaRPr sz="2000" dirty="0"/>
-          </a:p>
-          <a:p>
-            <a:pPr>
-              <a:lnSpc>
-                <a:spcPct val="150000"/>
-              </a:lnSpc>
-            </a:pPr>
             <a:r>
-              <a:rPr lang="zh-CN" altLang="en-US" sz="2000" dirty="0" smtClean="0"/>
-              <a:t>在中间区域显示画出来的国旗</a:t>
+              <a:rPr lang="en-US" altLang="zh-CN" dirty="0" smtClean="0">
+                <a:latin typeface="宋体" panose="02010600030101010101" pitchFamily="2" charset="-122"/>
+                <a:ea typeface="宋体" panose="02010600030101010101" pitchFamily="2" charset="-122"/>
+                <a:cs typeface="Times New Roman" panose="02020603050405020304" pitchFamily="18" charset="0"/>
+              </a:rPr>
+              <a:t>4*4</a:t>
             </a:r>
-            <a:endParaRPr lang="en-US" altLang="zh-CN" sz="2000" dirty="0"/>
+            <a:r>
+              <a:rPr lang="zh-CN" altLang="en-US" dirty="0" smtClean="0">
+                <a:latin typeface="宋体" panose="02010600030101010101" pitchFamily="2" charset="-122"/>
+                <a:ea typeface="宋体" panose="02010600030101010101" pitchFamily="2" charset="-122"/>
+                <a:cs typeface="Times New Roman" panose="02020603050405020304" pitchFamily="18" charset="0"/>
+              </a:rPr>
+              <a:t>键位板作为外设，此处不再赘述</a:t>
+            </a:r>
+            <a:endParaRPr lang="en-US" altLang="zh-CN" dirty="0" smtClean="0">
+              <a:latin typeface="宋体" panose="02010600030101010101" pitchFamily="2" charset="-122"/>
+              <a:ea typeface="宋体" panose="02010600030101010101" pitchFamily="2" charset="-122"/>
+              <a:cs typeface="Times New Roman" panose="02020603050405020304" pitchFamily="18" charset="0"/>
+            </a:endParaRPr>
+          </a:p>
+          <a:p>
+            <a:r>
+              <a:rPr lang="zh-CN" altLang="en-US" dirty="0" smtClean="0">
+                <a:latin typeface="宋体" panose="02010600030101010101" pitchFamily="2" charset="-122"/>
+                <a:ea typeface="宋体" panose="02010600030101010101" pitchFamily="2" charset="-122"/>
+                <a:cs typeface="Times New Roman" panose="02020603050405020304" pitchFamily="18" charset="0"/>
+              </a:rPr>
+              <a:t>有了外设后，需要将获取的键位转化为数字，代码如下：</a:t>
+            </a:r>
+            <a:endParaRPr dirty="0">
+              <a:latin typeface="宋体" panose="02010600030101010101" pitchFamily="2" charset="-122"/>
+              <a:ea typeface="宋体" panose="02010600030101010101" pitchFamily="2" charset="-122"/>
+              <a:cs typeface="Times New Roman" panose="02020603050405020304" pitchFamily="18" charset="0"/>
+            </a:endParaRPr>
           </a:p>
         </p:txBody>
       </p:sp>
       <p:pic>
         <p:nvPicPr>
-          <p:cNvPr id="5" name="图片 4"/>
+          <p:cNvPr id="2" name="图片 1"/>
           <p:cNvPicPr>
             <a:picLocks noChangeAspect="1"/>
           </p:cNvPicPr>
           <p:nvPr/>
         </p:nvPicPr>
         <p:blipFill>
-          <a:blip r:embed="rId3"/>
+          <a:blip r:embed="rId3">
+            <a:extLst>
+              <a:ext uri="{28A0092B-C50C-407E-A947-70E740481C1C}">
+                <a14:useLocalDpi xmlns:a14="http://schemas.microsoft.com/office/drawing/2010/main" val="0"/>
+              </a:ext>
+            </a:extLst>
+          </a:blip>
           <a:stretch>
             <a:fillRect/>
           </a:stretch>
         </p:blipFill>
         <p:spPr>
           <a:xfrm>
-            <a:off x="5771515" y="669290"/>
-            <a:ext cx="2507615" cy="3272790"/>
+            <a:off x="465022" y="1415316"/>
+            <a:ext cx="4995984" cy="3086442"/>
           </a:xfrm>
           <a:prstGeom prst="rect">
             <a:avLst/>
@@ -7948,6 +6222,11 @@
         </p:spPr>
       </p:pic>
     </p:spTree>
+    <p:extLst>
+      <p:ext uri="{BB962C8B-B14F-4D97-AF65-F5344CB8AC3E}">
+        <p14:creationId xmlns:p14="http://schemas.microsoft.com/office/powerpoint/2010/main" val="2865130132"/>
+      </p:ext>
+    </p:extLst>
   </p:cSld>
   <p:clrMapOvr>
     <a:masterClrMapping/>
@@ -7960,13 +6239,6 @@
       <p:transition/>
     </mc:Fallback>
   </mc:AlternateContent>
-  <p:timing>
-    <p:tnLst>
-      <p:par>
-        <p:cTn id="1" dur="indefinite" restart="never" nodeType="tmRoot"/>
-      </p:par>
-    </p:tnLst>
-  </p:timing>
 </p:sld>
 </file>
 
@@ -8126,7 +6398,7 @@
         <p:spPr>
           <a:xfrm>
             <a:off x="418587" y="195486"/>
-            <a:ext cx="1706880" cy="398780"/>
+            <a:ext cx="1210588" cy="400110"/>
           </a:xfrm>
           <a:prstGeom prst="rect">
             <a:avLst/>
@@ -8140,216 +6412,20 @@
           <a:lstStyle/>
           <a:p>
             <a:r>
-              <a:rPr lang="zh-CN" altLang="id-ID" sz="2000" dirty="0">
+              <a:rPr lang="zh-CN" altLang="en-US" sz="2000" dirty="0" smtClean="0">
                 <a:solidFill>
                   <a:srgbClr val="445469"/>
                 </a:solidFill>
                 <a:latin typeface="Raleway" panose="020B0003030101060003" pitchFamily="34" charset="0"/>
               </a:rPr>
-              <a:t>液晶屏的应用</a:t>
+              <a:t>效果展示</a:t>
             </a:r>
-          </a:p>
-        </p:txBody>
-      </p:sp>
-      <p:sp>
-        <p:nvSpPr>
-          <p:cNvPr id="3" name="内容占位符 1"/>
-          <p:cNvSpPr txBox="1"/>
-          <p:nvPr/>
-        </p:nvSpPr>
-        <p:spPr>
-          <a:xfrm>
-            <a:off x="280670" y="716915"/>
-            <a:ext cx="4295775" cy="3710305"/>
-          </a:xfrm>
-          <a:prstGeom prst="rect">
-            <a:avLst/>
-          </a:prstGeom>
-        </p:spPr>
-        <p:txBody>
-          <a:bodyPr>
-            <a:normAutofit/>
-          </a:bodyPr>
-          <a:lstStyle>
-            <a:lvl1pPr marL="342900" indent="-342900" algn="l" defTabSz="914400" rtl="0" eaLnBrk="1" latinLnBrk="0" hangingPunct="1">
-              <a:spcBef>
-                <a:spcPct val="20000"/>
-              </a:spcBef>
-              <a:buFont typeface="Arial" panose="020B0604020202020204" pitchFamily="34" charset="0"/>
-              <a:buChar char="•"/>
-              <a:defRPr sz="3200" kern="1200">
-                <a:solidFill>
-                  <a:schemeClr val="tx1"/>
-                </a:solidFill>
-                <a:latin typeface="+mn-lt"/>
-                <a:ea typeface="+mn-ea"/>
-                <a:cs typeface="+mn-cs"/>
-              </a:defRPr>
-            </a:lvl1pPr>
-            <a:lvl2pPr marL="742950" indent="-285750" algn="l" defTabSz="914400" rtl="0" eaLnBrk="1" latinLnBrk="0" hangingPunct="1">
-              <a:spcBef>
-                <a:spcPct val="20000"/>
-              </a:spcBef>
-              <a:buFont typeface="Arial" panose="020B0604020202020204" pitchFamily="34" charset="0"/>
-              <a:buChar char="–"/>
-              <a:defRPr sz="2800" kern="1200">
-                <a:solidFill>
-                  <a:schemeClr val="tx1"/>
-                </a:solidFill>
-                <a:latin typeface="+mn-lt"/>
-                <a:ea typeface="+mn-ea"/>
-                <a:cs typeface="+mn-cs"/>
-              </a:defRPr>
-            </a:lvl2pPr>
-            <a:lvl3pPr marL="1143000" indent="-228600" algn="l" defTabSz="914400" rtl="0" eaLnBrk="1" latinLnBrk="0" hangingPunct="1">
-              <a:spcBef>
-                <a:spcPct val="20000"/>
-              </a:spcBef>
-              <a:buFont typeface="Arial" panose="020B0604020202020204" pitchFamily="34" charset="0"/>
-              <a:buChar char="•"/>
-              <a:defRPr sz="2400" kern="1200">
-                <a:solidFill>
-                  <a:schemeClr val="tx1"/>
-                </a:solidFill>
-                <a:latin typeface="+mn-lt"/>
-                <a:ea typeface="+mn-ea"/>
-                <a:cs typeface="+mn-cs"/>
-              </a:defRPr>
-            </a:lvl3pPr>
-            <a:lvl4pPr marL="1600200" indent="-228600" algn="l" defTabSz="914400" rtl="0" eaLnBrk="1" latinLnBrk="0" hangingPunct="1">
-              <a:spcBef>
-                <a:spcPct val="20000"/>
-              </a:spcBef>
-              <a:buFont typeface="Arial" panose="020B0604020202020204" pitchFamily="34" charset="0"/>
-              <a:buChar char="–"/>
-              <a:defRPr sz="2000" kern="1200">
-                <a:solidFill>
-                  <a:schemeClr val="tx1"/>
-                </a:solidFill>
-                <a:latin typeface="+mn-lt"/>
-                <a:ea typeface="+mn-ea"/>
-                <a:cs typeface="+mn-cs"/>
-              </a:defRPr>
-            </a:lvl4pPr>
-            <a:lvl5pPr marL="2057400" indent="-228600" algn="l" defTabSz="914400" rtl="0" eaLnBrk="1" latinLnBrk="0" hangingPunct="1">
-              <a:spcBef>
-                <a:spcPct val="20000"/>
-              </a:spcBef>
-              <a:buFont typeface="Arial" panose="020B0604020202020204" pitchFamily="34" charset="0"/>
-              <a:buChar char="»"/>
-              <a:defRPr sz="2000" kern="1200">
-                <a:solidFill>
-                  <a:schemeClr val="tx1"/>
-                </a:solidFill>
-                <a:latin typeface="+mn-lt"/>
-                <a:ea typeface="+mn-ea"/>
-                <a:cs typeface="+mn-cs"/>
-              </a:defRPr>
-            </a:lvl5pPr>
-            <a:lvl6pPr marL="2514600" indent="-228600" algn="l" defTabSz="914400" rtl="0" eaLnBrk="1" latinLnBrk="0" hangingPunct="1">
-              <a:spcBef>
-                <a:spcPct val="20000"/>
-              </a:spcBef>
-              <a:buFont typeface="Arial" panose="020B0604020202020204" pitchFamily="34" charset="0"/>
-              <a:buChar char="•"/>
-              <a:defRPr sz="2000" kern="1200">
-                <a:solidFill>
-                  <a:schemeClr val="tx1"/>
-                </a:solidFill>
-                <a:latin typeface="+mn-lt"/>
-                <a:ea typeface="+mn-ea"/>
-                <a:cs typeface="+mn-cs"/>
-              </a:defRPr>
-            </a:lvl6pPr>
-            <a:lvl7pPr marL="2971800" indent="-228600" algn="l" defTabSz="914400" rtl="0" eaLnBrk="1" latinLnBrk="0" hangingPunct="1">
-              <a:spcBef>
-                <a:spcPct val="20000"/>
-              </a:spcBef>
-              <a:buFont typeface="Arial" panose="020B0604020202020204" pitchFamily="34" charset="0"/>
-              <a:buChar char="•"/>
-              <a:defRPr sz="2000" kern="1200">
-                <a:solidFill>
-                  <a:schemeClr val="tx1"/>
-                </a:solidFill>
-                <a:latin typeface="+mn-lt"/>
-                <a:ea typeface="+mn-ea"/>
-                <a:cs typeface="+mn-cs"/>
-              </a:defRPr>
-            </a:lvl7pPr>
-            <a:lvl8pPr marL="3429000" indent="-228600" algn="l" defTabSz="914400" rtl="0" eaLnBrk="1" latinLnBrk="0" hangingPunct="1">
-              <a:spcBef>
-                <a:spcPct val="20000"/>
-              </a:spcBef>
-              <a:buFont typeface="Arial" panose="020B0604020202020204" pitchFamily="34" charset="0"/>
-              <a:buChar char="•"/>
-              <a:defRPr sz="2000" kern="1200">
-                <a:solidFill>
-                  <a:schemeClr val="tx1"/>
-                </a:solidFill>
-                <a:latin typeface="+mn-lt"/>
-                <a:ea typeface="+mn-ea"/>
-                <a:cs typeface="+mn-cs"/>
-              </a:defRPr>
-            </a:lvl8pPr>
-            <a:lvl9pPr marL="3886200" indent="-228600" algn="l" defTabSz="914400" rtl="0" eaLnBrk="1" latinLnBrk="0" hangingPunct="1">
-              <a:spcBef>
-                <a:spcPct val="20000"/>
-              </a:spcBef>
-              <a:buFont typeface="Arial" panose="020B0604020202020204" pitchFamily="34" charset="0"/>
-              <a:buChar char="•"/>
-              <a:defRPr sz="2000" kern="1200">
-                <a:solidFill>
-                  <a:schemeClr val="tx1"/>
-                </a:solidFill>
-                <a:latin typeface="+mn-lt"/>
-                <a:ea typeface="+mn-ea"/>
-                <a:cs typeface="+mn-cs"/>
-              </a:defRPr>
-            </a:lvl9pPr>
-          </a:lstStyle>
-          <a:p>
-            <a:pPr>
-              <a:lnSpc>
-                <a:spcPct val="150000"/>
-              </a:lnSpc>
-            </a:pPr>
-            <a:r>
-              <a:rPr lang="zh-CN" altLang="en-US" sz="2000" dirty="0">
-                <a:sym typeface="+mn-ea"/>
-              </a:rPr>
-              <a:t>在液晶屏上实现贪吃蛇</a:t>
-            </a:r>
-            <a:endParaRPr sz="2000" dirty="0"/>
-          </a:p>
-          <a:p>
-            <a:pPr>
-              <a:lnSpc>
-                <a:spcPct val="150000"/>
-              </a:lnSpc>
-            </a:pPr>
-            <a:r>
-              <a:rPr lang="zh-CN" altLang="en-US" sz="2000" dirty="0" smtClean="0"/>
-              <a:t>在通过键盘控制贪吃蛇移动</a:t>
-            </a:r>
-          </a:p>
-          <a:p>
-            <a:pPr>
-              <a:lnSpc>
-                <a:spcPct val="150000"/>
-              </a:lnSpc>
-            </a:pPr>
-            <a:r>
-              <a:rPr lang="zh-CN" altLang="en-US" sz="2000" dirty="0"/>
-              <a:t>屏幕随机显示食物</a:t>
-            </a:r>
-          </a:p>
-          <a:p>
-            <a:pPr>
-              <a:lnSpc>
-                <a:spcPct val="150000"/>
-              </a:lnSpc>
-            </a:pPr>
-            <a:endParaRPr lang="zh-CN" altLang="en-US" sz="2000" dirty="0"/>
+            <a:endParaRPr lang="zh-CN" altLang="id-ID" sz="2000" dirty="0">
+              <a:solidFill>
+                <a:srgbClr val="445469"/>
+              </a:solidFill>
+              <a:latin typeface="Raleway" panose="020B0003030101060003" pitchFamily="34" charset="0"/>
+            </a:endParaRPr>
           </a:p>
         </p:txBody>
       </p:sp>
@@ -8362,604 +6438,27 @@
           <p:nvPr/>
         </p:nvPicPr>
         <p:blipFill>
-          <a:blip r:embed="rId3"/>
+          <a:blip r:embed="rId3">
+            <a:extLst>
+              <a:ext uri="{28A0092B-C50C-407E-A947-70E740481C1C}">
+                <a14:useLocalDpi xmlns:a14="http://schemas.microsoft.com/office/drawing/2010/main" val="0"/>
+              </a:ext>
+            </a:extLst>
+          </a:blip>
           <a:stretch>
             <a:fillRect/>
           </a:stretch>
         </p:blipFill>
         <p:spPr>
-          <a:xfrm rot="10800000">
-            <a:off x="5653405" y="530860"/>
-            <a:ext cx="2870200" cy="4013200"/>
+          <a:xfrm>
+            <a:off x="3707904" y="1059582"/>
+            <a:ext cx="1581371" cy="2762636"/>
           </a:xfrm>
           <a:prstGeom prst="rect">
             <a:avLst/>
           </a:prstGeom>
         </p:spPr>
       </p:pic>
-    </p:spTree>
-  </p:cSld>
-  <p:clrMapOvr>
-    <a:masterClrMapping/>
-  </p:clrMapOvr>
-  <mc:AlternateContent xmlns:mc="http://schemas.openxmlformats.org/markup-compatibility/2006" xmlns:p14="http://schemas.microsoft.com/office/powerpoint/2010/main">
-    <mc:Choice Requires="p14">
-      <p:transition p14:dur="10"/>
-    </mc:Choice>
-    <mc:Fallback xmlns="">
-      <p:transition/>
-    </mc:Fallback>
-  </mc:AlternateContent>
-  <p:timing>
-    <p:tnLst>
-      <p:par>
-        <p:cTn id="1" dur="indefinite" restart="never" nodeType="tmRoot"/>
-      </p:par>
-    </p:tnLst>
-  </p:timing>
-</p:sld>
-</file>
-
-<file path=ppt/slides/slide8.xml><?xml version="1.0" encoding="utf-8"?>
-<p:sld xmlns:a="http://schemas.openxmlformats.org/drawingml/2006/main" xmlns:r="http://schemas.openxmlformats.org/officeDocument/2006/relationships" xmlns:p="http://schemas.openxmlformats.org/presentationml/2006/main">
-  <p:cSld>
-    <p:spTree>
-      <p:nvGrpSpPr>
-        <p:cNvPr id="1" name=""/>
-        <p:cNvGrpSpPr/>
-        <p:nvPr/>
-      </p:nvGrpSpPr>
-      <p:grpSpPr>
-        <a:xfrm>
-          <a:off x="0" y="0"/>
-          <a:ext cx="0" cy="0"/>
-          <a:chOff x="0" y="0"/>
-          <a:chExt cx="0" cy="0"/>
-        </a:xfrm>
-      </p:grpSpPr>
-      <p:sp>
-        <p:nvSpPr>
-          <p:cNvPr id="4" name="灯片编号占位符 3"/>
-          <p:cNvSpPr>
-            <a:spLocks noGrp="1"/>
-          </p:cNvSpPr>
-          <p:nvPr>
-            <p:ph type="sldNum" sz="quarter" idx="12"/>
-          </p:nvPr>
-        </p:nvSpPr>
-        <p:spPr/>
-        <p:txBody>
-          <a:bodyPr/>
-          <a:lstStyle/>
-          <a:p>
-            <a:fld id="{877C4908-FE0A-43F2-B8DA-9F7993525651}" type="slidenum">
-              <a:rPr lang="zh-CN" altLang="en-US" smtClean="0"/>
-              <a:t>8</a:t>
-            </a:fld>
-            <a:endParaRPr lang="zh-CN" altLang="en-US" dirty="0"/>
-          </a:p>
-        </p:txBody>
-      </p:sp>
-      <p:grpSp>
-        <p:nvGrpSpPr>
-          <p:cNvPr id="29" name="组合 28"/>
-          <p:cNvGrpSpPr/>
-          <p:nvPr/>
-        </p:nvGrpSpPr>
-        <p:grpSpPr>
-          <a:xfrm>
-            <a:off x="226054" y="260176"/>
-            <a:ext cx="231913" cy="275713"/>
-            <a:chOff x="0" y="260868"/>
-            <a:chExt cx="308417" cy="366666"/>
-          </a:xfrm>
-        </p:grpSpPr>
-        <p:sp>
-          <p:nvSpPr>
-            <p:cNvPr id="31" name="矩形 30"/>
-            <p:cNvSpPr/>
-            <p:nvPr/>
-          </p:nvSpPr>
-          <p:spPr>
-            <a:xfrm>
-              <a:off x="0" y="260868"/>
-              <a:ext cx="179512" cy="360040"/>
-            </a:xfrm>
-            <a:prstGeom prst="rect">
-              <a:avLst/>
-            </a:prstGeom>
-            <a:solidFill>
-              <a:srgbClr val="252961"/>
-            </a:solidFill>
-            <a:ln>
-              <a:noFill/>
-            </a:ln>
-          </p:spPr>
-          <p:style>
-            <a:lnRef idx="2">
-              <a:schemeClr val="accent1">
-                <a:shade val="50000"/>
-              </a:schemeClr>
-            </a:lnRef>
-            <a:fillRef idx="1">
-              <a:schemeClr val="accent1"/>
-            </a:fillRef>
-            <a:effectRef idx="0">
-              <a:schemeClr val="accent1"/>
-            </a:effectRef>
-            <a:fontRef idx="minor">
-              <a:schemeClr val="lt1"/>
-            </a:fontRef>
-          </p:style>
-          <p:txBody>
-            <a:bodyPr rtlCol="0" anchor="ctr"/>
-            <a:lstStyle/>
-            <a:p>
-              <a:pPr algn="ctr"/>
-              <a:endParaRPr lang="zh-CN" altLang="en-US"/>
-            </a:p>
-          </p:txBody>
-        </p:sp>
-        <p:sp>
-          <p:nvSpPr>
-            <p:cNvPr id="32" name="矩形 31"/>
-            <p:cNvSpPr/>
-            <p:nvPr/>
-          </p:nvSpPr>
-          <p:spPr>
-            <a:xfrm>
-              <a:off x="218661" y="267494"/>
-              <a:ext cx="89756" cy="360040"/>
-            </a:xfrm>
-            <a:prstGeom prst="rect">
-              <a:avLst/>
-            </a:prstGeom>
-            <a:solidFill>
-              <a:srgbClr val="52657E"/>
-            </a:solidFill>
-            <a:ln>
-              <a:noFill/>
-            </a:ln>
-          </p:spPr>
-          <p:style>
-            <a:lnRef idx="2">
-              <a:schemeClr val="accent1">
-                <a:shade val="50000"/>
-              </a:schemeClr>
-            </a:lnRef>
-            <a:fillRef idx="1">
-              <a:schemeClr val="accent1"/>
-            </a:fillRef>
-            <a:effectRef idx="0">
-              <a:schemeClr val="accent1"/>
-            </a:effectRef>
-            <a:fontRef idx="minor">
-              <a:schemeClr val="lt1"/>
-            </a:fontRef>
-          </p:style>
-          <p:txBody>
-            <a:bodyPr rtlCol="0" anchor="ctr"/>
-            <a:lstStyle/>
-            <a:p>
-              <a:pPr algn="ctr"/>
-              <a:endParaRPr lang="zh-CN" altLang="en-US"/>
-            </a:p>
-          </p:txBody>
-        </p:sp>
-      </p:grpSp>
-      <p:sp>
-        <p:nvSpPr>
-          <p:cNvPr id="33" name="TextBox 32"/>
-          <p:cNvSpPr txBox="1"/>
-          <p:nvPr/>
-        </p:nvSpPr>
-        <p:spPr>
-          <a:xfrm>
-            <a:off x="418587" y="195486"/>
-            <a:ext cx="1452880" cy="398780"/>
-          </a:xfrm>
-          <a:prstGeom prst="rect">
-            <a:avLst/>
-          </a:prstGeom>
-          <a:noFill/>
-        </p:spPr>
-        <p:txBody>
-          <a:bodyPr wrap="none" rtlCol="0">
-            <a:spAutoFit/>
-          </a:bodyPr>
-          <a:lstStyle/>
-          <a:p>
-            <a:r>
-              <a:rPr lang="zh-CN" altLang="id-ID" sz="2000" dirty="0">
-                <a:solidFill>
-                  <a:srgbClr val="445469"/>
-                </a:solidFill>
-                <a:latin typeface="Raleway" panose="020B0003030101060003" pitchFamily="34" charset="0"/>
-              </a:rPr>
-              <a:t>液晶屏实现</a:t>
-            </a:r>
-          </a:p>
-        </p:txBody>
-      </p:sp>
-      <p:sp>
-        <p:nvSpPr>
-          <p:cNvPr id="100" name="文本框 99"/>
-          <p:cNvSpPr txBox="1"/>
-          <p:nvPr/>
-        </p:nvSpPr>
-        <p:spPr>
-          <a:xfrm>
-            <a:off x="457835" y="864870"/>
-            <a:ext cx="7687310" cy="1198880"/>
-          </a:xfrm>
-          <a:prstGeom prst="rect">
-            <a:avLst/>
-          </a:prstGeom>
-          <a:noFill/>
-          <a:ln w="9525">
-            <a:noFill/>
-          </a:ln>
-        </p:spPr>
-        <p:txBody>
-          <a:bodyPr wrap="square">
-            <a:spAutoFit/>
-          </a:bodyPr>
-          <a:lstStyle/>
-          <a:p>
-            <a:pPr marL="285750" indent="-285750">
-              <a:buFont typeface="Arial" panose="020B0604020202020204" pitchFamily="34" charset="0"/>
-              <a:buChar char="•"/>
-            </a:pPr>
-            <a:r>
-              <a:rPr lang="zh-CN" b="0" dirty="0" smtClean="0">
-                <a:ea typeface="宋体" panose="02010600030101010101" pitchFamily="2" charset="-122"/>
-              </a:rPr>
-              <a:t>首先设置</a:t>
-            </a:r>
-            <a:r>
-              <a:rPr lang="zh-CN" b="0" dirty="0" smtClean="0">
-                <a:ea typeface="宋体" panose="02010600030101010101" pitchFamily="2" charset="-122"/>
-                <a:cs typeface="Times New Roman" panose="02020603050405020304" pitchFamily="18" charset="0"/>
-              </a:rPr>
-              <a:t>IO（模拟SPI，液晶背光引脚，复位引脚），共6根需要设置，然后开始编写时序驱动，通过查找手册确定时序，并编写相应函数。</a:t>
-            </a:r>
-          </a:p>
-          <a:p>
-            <a:pPr marL="285750" indent="-285750">
-              <a:buFont typeface="Arial" panose="020B0604020202020204" pitchFamily="34" charset="0"/>
-              <a:buChar char="•"/>
-            </a:pPr>
-            <a:r>
-              <a:rPr lang="zh-CN" b="0" dirty="0" smtClean="0">
-                <a:ea typeface="宋体" panose="02010600030101010101" pitchFamily="2" charset="-122"/>
-                <a:cs typeface="Times New Roman" panose="02020603050405020304" pitchFamily="18" charset="0"/>
-              </a:rPr>
-              <a:t>对液晶控制器写入command命令函数：LCD_WriteCommand</a:t>
-            </a:r>
-            <a:r>
-              <a:rPr lang="en-US" altLang="zh-CN" b="0" dirty="0" smtClean="0">
-                <a:ea typeface="宋体" panose="02010600030101010101" pitchFamily="2" charset="-122"/>
-                <a:cs typeface="Times New Roman" panose="02020603050405020304" pitchFamily="18" charset="0"/>
-              </a:rPr>
-              <a:t>(</a:t>
-            </a:r>
-            <a:r>
-              <a:rPr lang="en-US" altLang="zh-CN" b="0" dirty="0" err="1" smtClean="0">
-                <a:ea typeface="宋体" panose="02010600030101010101" pitchFamily="2" charset="-122"/>
-                <a:cs typeface="Times New Roman" panose="02020603050405020304" pitchFamily="18" charset="0"/>
-              </a:rPr>
-              <a:t>cmd</a:t>
-            </a:r>
-            <a:r>
-              <a:rPr lang="en-US" altLang="zh-CN" b="0" dirty="0" smtClean="0">
-                <a:ea typeface="宋体" panose="02010600030101010101" pitchFamily="2" charset="-122"/>
-                <a:cs typeface="Times New Roman" panose="02020603050405020304" pitchFamily="18" charset="0"/>
-              </a:rPr>
-              <a:t>)</a:t>
-            </a:r>
-            <a:r>
-              <a:rPr lang="zh-CN" altLang="en-US" b="0" dirty="0" smtClean="0">
-                <a:ea typeface="宋体" panose="02010600030101010101" pitchFamily="2" charset="-122"/>
-                <a:cs typeface="Times New Roman" panose="02020603050405020304" pitchFamily="18" charset="0"/>
-              </a:rPr>
-              <a:t>。</a:t>
-            </a:r>
-          </a:p>
-          <a:p>
-            <a:pPr marL="285750" indent="-285750">
-              <a:buFont typeface="Arial" panose="020B0604020202020204" pitchFamily="34" charset="0"/>
-              <a:buChar char="•"/>
-            </a:pPr>
-            <a:r>
-              <a:rPr lang="zh-CN" altLang="en-US" b="0" dirty="0" smtClean="0">
-                <a:ea typeface="宋体" panose="02010600030101010101" pitchFamily="2" charset="-122"/>
-                <a:cs typeface="Times New Roman" panose="02020603050405020304" pitchFamily="18" charset="0"/>
-              </a:rPr>
-              <a:t>对液晶控制器写入data命令函数：LCD_WriteData(</a:t>
-            </a:r>
-            <a:r>
-              <a:rPr lang="en-US" altLang="zh-CN" b="0" dirty="0" smtClean="0">
-                <a:ea typeface="宋体" panose="02010600030101010101" pitchFamily="2" charset="-122"/>
-                <a:cs typeface="Times New Roman" panose="02020603050405020304" pitchFamily="18" charset="0"/>
-              </a:rPr>
-              <a:t>data</a:t>
-            </a:r>
-            <a:r>
-              <a:rPr lang="zh-CN" altLang="en-US" b="0" dirty="0" smtClean="0">
-                <a:ea typeface="宋体" panose="02010600030101010101" pitchFamily="2" charset="-122"/>
-                <a:cs typeface="Times New Roman" panose="02020603050405020304" pitchFamily="18" charset="0"/>
-              </a:rPr>
-              <a:t>)。</a:t>
-            </a:r>
-            <a:endParaRPr lang="en-US" altLang="zh-CN" b="0" dirty="0">
-              <a:ea typeface="宋体" panose="02010600030101010101" pitchFamily="2" charset="-122"/>
-              <a:cs typeface="Times New Roman" panose="02020603050405020304" pitchFamily="18" charset="0"/>
-            </a:endParaRPr>
-          </a:p>
-        </p:txBody>
-      </p:sp>
-    </p:spTree>
-  </p:cSld>
-  <p:clrMapOvr>
-    <a:masterClrMapping/>
-  </p:clrMapOvr>
-  <mc:AlternateContent xmlns:mc="http://schemas.openxmlformats.org/markup-compatibility/2006" xmlns:p14="http://schemas.microsoft.com/office/powerpoint/2010/main">
-    <mc:Choice Requires="p14">
-      <p:transition p14:dur="10"/>
-    </mc:Choice>
-    <mc:Fallback xmlns="">
-      <p:transition/>
-    </mc:Fallback>
-  </mc:AlternateContent>
-</p:sld>
-</file>
-
-<file path=ppt/slides/slide9.xml><?xml version="1.0" encoding="utf-8"?>
-<p:sld xmlns:a="http://schemas.openxmlformats.org/drawingml/2006/main" xmlns:r="http://schemas.openxmlformats.org/officeDocument/2006/relationships" xmlns:p="http://schemas.openxmlformats.org/presentationml/2006/main">
-  <p:cSld>
-    <p:spTree>
-      <p:nvGrpSpPr>
-        <p:cNvPr id="1" name=""/>
-        <p:cNvGrpSpPr/>
-        <p:nvPr/>
-      </p:nvGrpSpPr>
-      <p:grpSpPr>
-        <a:xfrm>
-          <a:off x="0" y="0"/>
-          <a:ext cx="0" cy="0"/>
-          <a:chOff x="0" y="0"/>
-          <a:chExt cx="0" cy="0"/>
-        </a:xfrm>
-      </p:grpSpPr>
-      <p:sp>
-        <p:nvSpPr>
-          <p:cNvPr id="4" name="灯片编号占位符 3"/>
-          <p:cNvSpPr>
-            <a:spLocks noGrp="1"/>
-          </p:cNvSpPr>
-          <p:nvPr>
-            <p:ph type="sldNum" sz="quarter" idx="12"/>
-          </p:nvPr>
-        </p:nvSpPr>
-        <p:spPr/>
-        <p:txBody>
-          <a:bodyPr/>
-          <a:lstStyle/>
-          <a:p>
-            <a:fld id="{877C4908-FE0A-43F2-B8DA-9F7993525651}" type="slidenum">
-              <a:rPr lang="zh-CN" altLang="en-US" smtClean="0"/>
-              <a:t>9</a:t>
-            </a:fld>
-            <a:endParaRPr lang="zh-CN" altLang="en-US" dirty="0"/>
-          </a:p>
-        </p:txBody>
-      </p:sp>
-      <p:grpSp>
-        <p:nvGrpSpPr>
-          <p:cNvPr id="29" name="组合 28"/>
-          <p:cNvGrpSpPr/>
-          <p:nvPr/>
-        </p:nvGrpSpPr>
-        <p:grpSpPr>
-          <a:xfrm>
-            <a:off x="226054" y="260176"/>
-            <a:ext cx="231913" cy="275713"/>
-            <a:chOff x="0" y="260868"/>
-            <a:chExt cx="308417" cy="366666"/>
-          </a:xfrm>
-        </p:grpSpPr>
-        <p:sp>
-          <p:nvSpPr>
-            <p:cNvPr id="31" name="矩形 30"/>
-            <p:cNvSpPr/>
-            <p:nvPr/>
-          </p:nvSpPr>
-          <p:spPr>
-            <a:xfrm>
-              <a:off x="0" y="260868"/>
-              <a:ext cx="179512" cy="360040"/>
-            </a:xfrm>
-            <a:prstGeom prst="rect">
-              <a:avLst/>
-            </a:prstGeom>
-            <a:solidFill>
-              <a:srgbClr val="252961"/>
-            </a:solidFill>
-            <a:ln>
-              <a:noFill/>
-            </a:ln>
-          </p:spPr>
-          <p:style>
-            <a:lnRef idx="2">
-              <a:schemeClr val="accent1">
-                <a:shade val="50000"/>
-              </a:schemeClr>
-            </a:lnRef>
-            <a:fillRef idx="1">
-              <a:schemeClr val="accent1"/>
-            </a:fillRef>
-            <a:effectRef idx="0">
-              <a:schemeClr val="accent1"/>
-            </a:effectRef>
-            <a:fontRef idx="minor">
-              <a:schemeClr val="lt1"/>
-            </a:fontRef>
-          </p:style>
-          <p:txBody>
-            <a:bodyPr rtlCol="0" anchor="ctr"/>
-            <a:lstStyle/>
-            <a:p>
-              <a:pPr algn="ctr"/>
-              <a:endParaRPr lang="zh-CN" altLang="en-US"/>
-            </a:p>
-          </p:txBody>
-        </p:sp>
-        <p:sp>
-          <p:nvSpPr>
-            <p:cNvPr id="32" name="矩形 31"/>
-            <p:cNvSpPr/>
-            <p:nvPr/>
-          </p:nvSpPr>
-          <p:spPr>
-            <a:xfrm>
-              <a:off x="218661" y="267494"/>
-              <a:ext cx="89756" cy="360040"/>
-            </a:xfrm>
-            <a:prstGeom prst="rect">
-              <a:avLst/>
-            </a:prstGeom>
-            <a:solidFill>
-              <a:srgbClr val="52657E"/>
-            </a:solidFill>
-            <a:ln>
-              <a:noFill/>
-            </a:ln>
-          </p:spPr>
-          <p:style>
-            <a:lnRef idx="2">
-              <a:schemeClr val="accent1">
-                <a:shade val="50000"/>
-              </a:schemeClr>
-            </a:lnRef>
-            <a:fillRef idx="1">
-              <a:schemeClr val="accent1"/>
-            </a:fillRef>
-            <a:effectRef idx="0">
-              <a:schemeClr val="accent1"/>
-            </a:effectRef>
-            <a:fontRef idx="minor">
-              <a:schemeClr val="lt1"/>
-            </a:fontRef>
-          </p:style>
-          <p:txBody>
-            <a:bodyPr rtlCol="0" anchor="ctr"/>
-            <a:lstStyle/>
-            <a:p>
-              <a:pPr algn="ctr"/>
-              <a:endParaRPr lang="zh-CN" altLang="en-US"/>
-            </a:p>
-          </p:txBody>
-        </p:sp>
-      </p:grpSp>
-      <p:sp>
-        <p:nvSpPr>
-          <p:cNvPr id="33" name="TextBox 32"/>
-          <p:cNvSpPr txBox="1"/>
-          <p:nvPr/>
-        </p:nvSpPr>
-        <p:spPr>
-          <a:xfrm>
-            <a:off x="418587" y="195486"/>
-            <a:ext cx="1452880" cy="398780"/>
-          </a:xfrm>
-          <a:prstGeom prst="rect">
-            <a:avLst/>
-          </a:prstGeom>
-          <a:noFill/>
-        </p:spPr>
-        <p:txBody>
-          <a:bodyPr wrap="none" rtlCol="0">
-            <a:spAutoFit/>
-          </a:bodyPr>
-          <a:lstStyle/>
-          <a:p>
-            <a:r>
-              <a:rPr lang="zh-CN" altLang="id-ID" sz="2000" dirty="0">
-                <a:solidFill>
-                  <a:srgbClr val="445469"/>
-                </a:solidFill>
-                <a:latin typeface="Raleway" panose="020B0003030101060003" pitchFamily="34" charset="0"/>
-              </a:rPr>
-              <a:t>液晶屏实现</a:t>
-            </a:r>
-          </a:p>
-        </p:txBody>
-      </p:sp>
-      <p:sp>
-        <p:nvSpPr>
-          <p:cNvPr id="100" name="文本框 99"/>
-          <p:cNvSpPr txBox="1"/>
-          <p:nvPr/>
-        </p:nvSpPr>
-        <p:spPr>
-          <a:xfrm>
-            <a:off x="418465" y="594360"/>
-            <a:ext cx="7687310" cy="1476375"/>
-          </a:xfrm>
-          <a:prstGeom prst="rect">
-            <a:avLst/>
-          </a:prstGeom>
-          <a:noFill/>
-          <a:ln w="9525">
-            <a:noFill/>
-          </a:ln>
-        </p:spPr>
-        <p:txBody>
-          <a:bodyPr wrap="square">
-            <a:spAutoFit/>
-          </a:bodyPr>
-          <a:lstStyle/>
-          <a:p>
-            <a:pPr marL="285750" indent="-285750">
-              <a:buFont typeface="Arial" panose="020B0604020202020204" pitchFamily="34" charset="0"/>
-              <a:buChar char="•"/>
-            </a:pPr>
-            <a:r>
-              <a:rPr lang="zh-CN" b="0" dirty="0">
-                <a:ea typeface="宋体" panose="02010600030101010101" pitchFamily="2" charset="-122"/>
-              </a:rPr>
-              <a:t>对液晶进行初始化，首先片选cs使能，背光使能，对液晶进行软件复位，再通过指令0X11唤醒液晶控制芯片，配置Frame rate，power sequence，gamma sequence，RGB模式为RGB565等，然后写入命令0X29让液晶开始显示。</a:t>
-            </a:r>
-          </a:p>
-          <a:p>
-            <a:pPr marL="285750" indent="-285750">
-              <a:buFont typeface="Arial" panose="020B0604020202020204" pitchFamily="34" charset="0"/>
-              <a:buChar char="•"/>
-            </a:pPr>
-            <a:r>
-              <a:rPr lang="zh-CN" b="0" dirty="0">
-                <a:ea typeface="宋体" panose="02010600030101010101" pitchFamily="2" charset="-122"/>
-              </a:rPr>
-              <a:t>如下</a:t>
-            </a:r>
-            <a:r>
-              <a:rPr lang="zh-CN" b="0" dirty="0" smtClean="0">
-                <a:ea typeface="宋体" panose="02010600030101010101" pitchFamily="2" charset="-122"/>
-              </a:rPr>
-              <a:t>：</a:t>
-            </a:r>
-            <a:r>
-              <a:rPr lang="en-US" altLang="zh-CN" b="0" dirty="0" smtClean="0">
-                <a:ea typeface="宋体" panose="02010600030101010101" pitchFamily="2" charset="-122"/>
-              </a:rPr>
-              <a:t> </a:t>
-            </a:r>
-            <a:endParaRPr lang="zh-CN" b="0" dirty="0">
-              <a:ea typeface="宋体" panose="02010600030101010101" pitchFamily="2" charset="-122"/>
-            </a:endParaRPr>
-          </a:p>
-        </p:txBody>
-      </p:sp>
       <p:pic>
         <p:nvPicPr>
           <p:cNvPr id="3" name="图片 2"/>
@@ -8969,127 +6468,37 @@
           <p:nvPr/>
         </p:nvPicPr>
         <p:blipFill>
-          <a:blip r:embed="rId3"/>
+          <a:blip r:embed="rId4" cstate="print">
+            <a:extLst>
+              <a:ext uri="{28A0092B-C50C-407E-A947-70E740481C1C}">
+                <a14:useLocalDpi xmlns:a14="http://schemas.microsoft.com/office/drawing/2010/main" val="0"/>
+              </a:ext>
+            </a:extLst>
+          </a:blip>
           <a:stretch>
             <a:fillRect/>
           </a:stretch>
         </p:blipFill>
         <p:spPr>
           <a:xfrm>
-            <a:off x="457835" y="2054225"/>
-            <a:ext cx="1981200" cy="2266950"/>
+            <a:off x="6156176" y="501792"/>
+            <a:ext cx="2297204" cy="4083918"/>
           </a:xfrm>
           <a:prstGeom prst="rect">
             <a:avLst/>
           </a:prstGeom>
         </p:spPr>
       </p:pic>
-      <p:pic>
-        <p:nvPicPr>
-          <p:cNvPr id="7" name="图片 6"/>
-          <p:cNvPicPr>
-            <a:picLocks noChangeAspect="1"/>
-          </p:cNvPicPr>
+      <p:sp>
+        <p:nvSpPr>
+          <p:cNvPr id="10" name="文本框 9"/>
+          <p:cNvSpPr txBox="1"/>
           <p:nvPr/>
-        </p:nvPicPr>
-        <p:blipFill>
-          <a:blip r:embed="rId4"/>
-          <a:stretch>
-            <a:fillRect/>
-          </a:stretch>
-        </p:blipFill>
+        </p:nvSpPr>
         <p:spPr>
           <a:xfrm>
-            <a:off x="2600960" y="2057400"/>
-            <a:ext cx="2159000" cy="2260600"/>
-          </a:xfrm>
-          <a:prstGeom prst="rect">
-            <a:avLst/>
-          </a:prstGeom>
-        </p:spPr>
-      </p:pic>
-      <p:pic>
-        <p:nvPicPr>
-          <p:cNvPr id="8" name="图片 7"/>
-          <p:cNvPicPr>
-            <a:picLocks noChangeAspect="1"/>
-          </p:cNvPicPr>
-          <p:nvPr/>
-        </p:nvPicPr>
-        <p:blipFill>
-          <a:blip r:embed="rId5"/>
-          <a:stretch>
-            <a:fillRect/>
-          </a:stretch>
-        </p:blipFill>
-        <p:spPr>
-          <a:xfrm>
-            <a:off x="4894580" y="2059940"/>
-            <a:ext cx="2047875" cy="2261235"/>
-          </a:xfrm>
-          <a:prstGeom prst="rect">
-            <a:avLst/>
-          </a:prstGeom>
-        </p:spPr>
-      </p:pic>
-      <p:pic>
-        <p:nvPicPr>
-          <p:cNvPr id="9" name="图片 8"/>
-          <p:cNvPicPr>
-            <a:picLocks noChangeAspect="1"/>
-          </p:cNvPicPr>
-          <p:nvPr/>
-        </p:nvPicPr>
-        <p:blipFill>
-          <a:blip r:embed="rId6"/>
-          <a:stretch>
-            <a:fillRect/>
-          </a:stretch>
-        </p:blipFill>
-        <p:spPr>
-          <a:xfrm>
-            <a:off x="7070090" y="2057400"/>
-            <a:ext cx="2053590" cy="2260600"/>
-          </a:xfrm>
-          <a:prstGeom prst="rect">
-            <a:avLst/>
-          </a:prstGeom>
-        </p:spPr>
-      </p:pic>
-      <p:pic>
-        <p:nvPicPr>
-          <p:cNvPr id="10" name="图片 9"/>
-          <p:cNvPicPr>
-            <a:picLocks noChangeAspect="1"/>
-          </p:cNvPicPr>
-          <p:nvPr/>
-        </p:nvPicPr>
-        <p:blipFill>
-          <a:blip r:embed="rId7"/>
-          <a:stretch>
-            <a:fillRect/>
-          </a:stretch>
-        </p:blipFill>
-        <p:spPr>
-          <a:xfrm>
-            <a:off x="457835" y="4723130"/>
-            <a:ext cx="2730500" cy="412750"/>
-          </a:xfrm>
-          <a:prstGeom prst="rect">
-            <a:avLst/>
-          </a:prstGeom>
-        </p:spPr>
-      </p:pic>
-      <p:sp>
-        <p:nvSpPr>
-          <p:cNvPr id="11" name="文本框 10"/>
-          <p:cNvSpPr txBox="1"/>
-          <p:nvPr/>
-        </p:nvSpPr>
-        <p:spPr>
-          <a:xfrm>
-            <a:off x="464820" y="4351020"/>
-            <a:ext cx="4538980" cy="368300"/>
+            <a:off x="458470" y="768985"/>
+            <a:ext cx="3033410" cy="646331"/>
           </a:xfrm>
           <a:prstGeom prst="rect">
             <a:avLst/>
@@ -9102,18 +6511,51 @@
           </a:bodyPr>
           <a:lstStyle/>
           <a:p>
-            <a:pPr marL="285750" indent="-285750">
-              <a:buFont typeface="Arial" panose="020B0604020202020204" pitchFamily="34" charset="0"/>
-              <a:buChar char="•"/>
-            </a:pPr>
             <a:r>
-              <a:rPr lang="zh-CN" altLang="en-US"/>
-              <a:t>液晶屏开发显示</a:t>
+              <a:rPr lang="zh-CN" altLang="en-US" dirty="0" smtClean="0">
+                <a:latin typeface="宋体" panose="02010600030101010101" pitchFamily="2" charset="-122"/>
+                <a:ea typeface="宋体" panose="02010600030101010101" pitchFamily="2" charset="-122"/>
+                <a:cs typeface="Times New Roman" panose="02020603050405020304" pitchFamily="18" charset="0"/>
+              </a:rPr>
+              <a:t>如右图，输入顺序为：</a:t>
             </a:r>
+            <a:endParaRPr lang="en-US" altLang="zh-CN" dirty="0" smtClean="0">
+              <a:latin typeface="宋体" panose="02010600030101010101" pitchFamily="2" charset="-122"/>
+              <a:ea typeface="宋体" panose="02010600030101010101" pitchFamily="2" charset="-122"/>
+              <a:cs typeface="Times New Roman" panose="02020603050405020304" pitchFamily="18" charset="0"/>
+            </a:endParaRPr>
+          </a:p>
+          <a:p>
+            <a:r>
+              <a:rPr lang="en-US" dirty="0" smtClean="0">
+                <a:latin typeface="宋体" panose="02010600030101010101" pitchFamily="2" charset="-122"/>
+                <a:ea typeface="宋体" panose="02010600030101010101" pitchFamily="2" charset="-122"/>
+                <a:cs typeface="Times New Roman" panose="02020603050405020304" pitchFamily="18" charset="0"/>
+              </a:rPr>
+              <a:t>42-6+1.6-2</a:t>
+            </a:r>
+            <a:r>
+              <a:rPr lang="en-US" altLang="zh-CN" dirty="0" smtClean="0">
+                <a:latin typeface="宋体" panose="02010600030101010101" pitchFamily="2" charset="-122"/>
+                <a:ea typeface="宋体" panose="02010600030101010101" pitchFamily="2" charset="-122"/>
+                <a:cs typeface="Times New Roman" panose="02020603050405020304" pitchFamily="18" charset="0"/>
+              </a:rPr>
+              <a:t>=</a:t>
+            </a:r>
+            <a:endParaRPr dirty="0">
+              <a:latin typeface="宋体" panose="02010600030101010101" pitchFamily="2" charset="-122"/>
+              <a:ea typeface="宋体" panose="02010600030101010101" pitchFamily="2" charset="-122"/>
+              <a:cs typeface="Times New Roman" panose="02020603050405020304" pitchFamily="18" charset="0"/>
+            </a:endParaRPr>
           </a:p>
         </p:txBody>
       </p:sp>
     </p:spTree>
+    <p:extLst>
+      <p:ext uri="{BB962C8B-B14F-4D97-AF65-F5344CB8AC3E}">
+        <p14:creationId xmlns:p14="http://schemas.microsoft.com/office/powerpoint/2010/main" val="781807387"/>
+      </p:ext>
+    </p:extLst>
   </p:cSld>
   <p:clrMapOvr>
     <a:masterClrMapping/>
